--- a/Presentation/Knowledge Base.pptx
+++ b/Presentation/Knowledge Base.pptx
@@ -9,7 +9,17 @@
     <p:sldId id="257" r:id="rId3"/>
     <p:sldId id="258" r:id="rId4"/>
     <p:sldId id="259" r:id="rId5"/>
-    <p:sldId id="260" r:id="rId6"/>
+    <p:sldId id="263" r:id="rId6"/>
+    <p:sldId id="265" r:id="rId7"/>
+    <p:sldId id="269" r:id="rId8"/>
+    <p:sldId id="264" r:id="rId9"/>
+    <p:sldId id="266" r:id="rId10"/>
+    <p:sldId id="270" r:id="rId11"/>
+    <p:sldId id="267" r:id="rId12"/>
+    <p:sldId id="268" r:id="rId13"/>
+    <p:sldId id="262" r:id="rId14"/>
+    <p:sldId id="261" r:id="rId15"/>
+    <p:sldId id="260" r:id="rId16"/>
   </p:sldIdLst>
   <p:sldSz cx="12192000" cy="6858000"/>
   <p:notesSz cx="6858000" cy="9144000"/>
@@ -108,6 +118,11 @@
       </a:defRPr>
     </a:lvl9pPr>
   </p:defaultTextStyle>
+  <p:extLst>
+    <p:ext uri="{EFAFB233-063F-42B5-8137-9DF3F51BA10A}">
+      <p15:sldGuideLst xmlns:p15="http://schemas.microsoft.com/office/powerpoint/2012/main"/>
+    </p:ext>
+  </p:extLst>
 </p:presentation>
 </file>
 
@@ -242,7 +257,7 @@
           <a:p>
             <a:fld id="{CB44A07C-85C8-4C7B-B098-BF9DC575F3FC}" type="datetimeFigureOut">
               <a:rPr lang="en-US" smtClean="0"/>
-              <a:t>12/20/2019</a:t>
+              <a:t>12/22/2019</a:t>
             </a:fld>
             <a:endParaRPr lang="en-US"/>
           </a:p>
@@ -412,7 +427,7 @@
           <a:p>
             <a:fld id="{CB44A07C-85C8-4C7B-B098-BF9DC575F3FC}" type="datetimeFigureOut">
               <a:rPr lang="en-US" smtClean="0"/>
-              <a:t>12/20/2019</a:t>
+              <a:t>12/22/2019</a:t>
             </a:fld>
             <a:endParaRPr lang="en-US"/>
           </a:p>
@@ -592,7 +607,7 @@
           <a:p>
             <a:fld id="{CB44A07C-85C8-4C7B-B098-BF9DC575F3FC}" type="datetimeFigureOut">
               <a:rPr lang="en-US" smtClean="0"/>
-              <a:t>12/20/2019</a:t>
+              <a:t>12/22/2019</a:t>
             </a:fld>
             <a:endParaRPr lang="en-US"/>
           </a:p>
@@ -762,7 +777,7 @@
           <a:p>
             <a:fld id="{CB44A07C-85C8-4C7B-B098-BF9DC575F3FC}" type="datetimeFigureOut">
               <a:rPr lang="en-US" smtClean="0"/>
-              <a:t>12/20/2019</a:t>
+              <a:t>12/22/2019</a:t>
             </a:fld>
             <a:endParaRPr lang="en-US"/>
           </a:p>
@@ -1008,7 +1023,7 @@
           <a:p>
             <a:fld id="{CB44A07C-85C8-4C7B-B098-BF9DC575F3FC}" type="datetimeFigureOut">
               <a:rPr lang="en-US" smtClean="0"/>
-              <a:t>12/20/2019</a:t>
+              <a:t>12/22/2019</a:t>
             </a:fld>
             <a:endParaRPr lang="en-US"/>
           </a:p>
@@ -1240,7 +1255,7 @@
           <a:p>
             <a:fld id="{CB44A07C-85C8-4C7B-B098-BF9DC575F3FC}" type="datetimeFigureOut">
               <a:rPr lang="en-US" smtClean="0"/>
-              <a:t>12/20/2019</a:t>
+              <a:t>12/22/2019</a:t>
             </a:fld>
             <a:endParaRPr lang="en-US"/>
           </a:p>
@@ -1607,7 +1622,7 @@
           <a:p>
             <a:fld id="{CB44A07C-85C8-4C7B-B098-BF9DC575F3FC}" type="datetimeFigureOut">
               <a:rPr lang="en-US" smtClean="0"/>
-              <a:t>12/20/2019</a:t>
+              <a:t>12/22/2019</a:t>
             </a:fld>
             <a:endParaRPr lang="en-US"/>
           </a:p>
@@ -1725,7 +1740,7 @@
           <a:p>
             <a:fld id="{CB44A07C-85C8-4C7B-B098-BF9DC575F3FC}" type="datetimeFigureOut">
               <a:rPr lang="en-US" smtClean="0"/>
-              <a:t>12/20/2019</a:t>
+              <a:t>12/22/2019</a:t>
             </a:fld>
             <a:endParaRPr lang="en-US"/>
           </a:p>
@@ -1820,7 +1835,7 @@
           <a:p>
             <a:fld id="{CB44A07C-85C8-4C7B-B098-BF9DC575F3FC}" type="datetimeFigureOut">
               <a:rPr lang="en-US" smtClean="0"/>
-              <a:t>12/20/2019</a:t>
+              <a:t>12/22/2019</a:t>
             </a:fld>
             <a:endParaRPr lang="en-US"/>
           </a:p>
@@ -2097,7 +2112,7 @@
           <a:p>
             <a:fld id="{CB44A07C-85C8-4C7B-B098-BF9DC575F3FC}" type="datetimeFigureOut">
               <a:rPr lang="en-US" smtClean="0"/>
-              <a:t>12/20/2019</a:t>
+              <a:t>12/22/2019</a:t>
             </a:fld>
             <a:endParaRPr lang="en-US"/>
           </a:p>
@@ -2350,7 +2365,7 @@
           <a:p>
             <a:fld id="{CB44A07C-85C8-4C7B-B098-BF9DC575F3FC}" type="datetimeFigureOut">
               <a:rPr lang="en-US" smtClean="0"/>
-              <a:t>12/20/2019</a:t>
+              <a:t>12/22/2019</a:t>
             </a:fld>
             <a:endParaRPr lang="en-US"/>
           </a:p>
@@ -2563,7 +2578,7 @@
           <a:p>
             <a:fld id="{CB44A07C-85C8-4C7B-B098-BF9DC575F3FC}" type="datetimeFigureOut">
               <a:rPr lang="en-US" smtClean="0"/>
-              <a:t>12/20/2019</a:t>
+              <a:t>12/22/2019</a:t>
             </a:fld>
             <a:endParaRPr lang="en-US"/>
           </a:p>
@@ -3024,6 +3039,516 @@
   <p:clrMapOvr>
     <a:masterClrMapping/>
   </p:clrMapOvr>
+  <p:timing>
+    <p:tnLst>
+      <p:par>
+        <p:cTn id="1" dur="indefinite" restart="never" nodeType="tmRoot"/>
+      </p:par>
+    </p:tnLst>
+  </p:timing>
+</p:sld>
+</file>
+
+<file path=ppt/slides/slide10.xml><?xml version="1.0" encoding="utf-8"?>
+<p:sld xmlns:a="http://schemas.openxmlformats.org/drawingml/2006/main" xmlns:r="http://schemas.openxmlformats.org/officeDocument/2006/relationships" xmlns:p="http://schemas.openxmlformats.org/presentationml/2006/main">
+  <p:cSld>
+    <p:spTree>
+      <p:nvGrpSpPr>
+        <p:cNvPr id="1" name=""/>
+        <p:cNvGrpSpPr/>
+        <p:nvPr/>
+      </p:nvGrpSpPr>
+      <p:grpSpPr>
+        <a:xfrm>
+          <a:off x="0" y="0"/>
+          <a:ext cx="0" cy="0"/>
+          <a:chOff x="0" y="0"/>
+          <a:chExt cx="0" cy="0"/>
+        </a:xfrm>
+      </p:grpSpPr>
+      <p:pic>
+        <p:nvPicPr>
+          <p:cNvPr id="4" name="Immagine 3"/>
+          <p:cNvPicPr>
+            <a:picLocks noChangeAspect="1"/>
+          </p:cNvPicPr>
+          <p:nvPr/>
+        </p:nvPicPr>
+        <p:blipFill rotWithShape="1">
+          <a:blip r:embed="rId2"/>
+          <a:srcRect t="85966"/>
+          <a:stretch/>
+        </p:blipFill>
+        <p:spPr>
+          <a:xfrm>
+            <a:off x="104073" y="2156059"/>
+            <a:ext cx="11966007" cy="1057135"/>
+          </a:xfrm>
+          <a:prstGeom prst="rect">
+            <a:avLst/>
+          </a:prstGeom>
+        </p:spPr>
+      </p:pic>
+      <p:pic>
+        <p:nvPicPr>
+          <p:cNvPr id="5" name="Immagine 4"/>
+          <p:cNvPicPr>
+            <a:picLocks noChangeAspect="1"/>
+          </p:cNvPicPr>
+          <p:nvPr/>
+        </p:nvPicPr>
+        <p:blipFill>
+          <a:blip r:embed="rId3"/>
+          <a:stretch>
+            <a:fillRect/>
+          </a:stretch>
+        </p:blipFill>
+        <p:spPr>
+          <a:xfrm>
+            <a:off x="104073" y="3213194"/>
+            <a:ext cx="11898630" cy="694663"/>
+          </a:xfrm>
+          <a:prstGeom prst="rect">
+            <a:avLst/>
+          </a:prstGeom>
+        </p:spPr>
+      </p:pic>
+    </p:spTree>
+    <p:extLst>
+      <p:ext uri="{BB962C8B-B14F-4D97-AF65-F5344CB8AC3E}">
+        <p14:creationId xmlns:p14="http://schemas.microsoft.com/office/powerpoint/2010/main" val="2876301668"/>
+      </p:ext>
+    </p:extLst>
+  </p:cSld>
+  <p:clrMapOvr>
+    <a:masterClrMapping/>
+  </p:clrMapOvr>
+  <p:timing>
+    <p:tnLst>
+      <p:par>
+        <p:cTn id="1" dur="indefinite" restart="never" nodeType="tmRoot"/>
+      </p:par>
+    </p:tnLst>
+  </p:timing>
+</p:sld>
+</file>
+
+<file path=ppt/slides/slide11.xml><?xml version="1.0" encoding="utf-8"?>
+<p:sld xmlns:a="http://schemas.openxmlformats.org/drawingml/2006/main" xmlns:r="http://schemas.openxmlformats.org/officeDocument/2006/relationships" xmlns:p="http://schemas.openxmlformats.org/presentationml/2006/main">
+  <p:cSld>
+    <p:spTree>
+      <p:nvGrpSpPr>
+        <p:cNvPr id="1" name=""/>
+        <p:cNvGrpSpPr/>
+        <p:nvPr/>
+      </p:nvGrpSpPr>
+      <p:grpSpPr>
+        <a:xfrm>
+          <a:off x="0" y="0"/>
+          <a:ext cx="0" cy="0"/>
+          <a:chOff x="0" y="0"/>
+          <a:chExt cx="0" cy="0"/>
+        </a:xfrm>
+      </p:grpSpPr>
+      <p:sp>
+        <p:nvSpPr>
+          <p:cNvPr id="2" name="Titolo 1"/>
+          <p:cNvSpPr>
+            <a:spLocks noGrp="1"/>
+          </p:cNvSpPr>
+          <p:nvPr>
+            <p:ph type="title"/>
+          </p:nvPr>
+        </p:nvSpPr>
+        <p:spPr/>
+        <p:txBody>
+          <a:bodyPr/>
+          <a:lstStyle/>
+          <a:p>
+            <a:r>
+              <a:rPr lang="it-CH" dirty="0" smtClean="0"/>
+              <a:t>Struttura del sistema</a:t>
+            </a:r>
+            <a:endParaRPr lang="en-US" dirty="0"/>
+          </a:p>
+        </p:txBody>
+      </p:sp>
+      <p:pic>
+        <p:nvPicPr>
+          <p:cNvPr id="4" name="Immagine 3"/>
+          <p:cNvPicPr>
+            <a:picLocks noChangeAspect="1"/>
+          </p:cNvPicPr>
+          <p:nvPr/>
+        </p:nvPicPr>
+        <p:blipFill>
+          <a:blip r:embed="rId2">
+            <a:extLst>
+              <a:ext uri="{28A0092B-C50C-407E-A947-70E740481C1C}">
+                <a14:useLocalDpi xmlns:a14="http://schemas.microsoft.com/office/drawing/2010/main" val="0"/>
+              </a:ext>
+            </a:extLst>
+          </a:blip>
+          <a:stretch>
+            <a:fillRect/>
+          </a:stretch>
+        </p:blipFill>
+        <p:spPr>
+          <a:xfrm>
+            <a:off x="2549128" y="1905000"/>
+            <a:ext cx="7093744" cy="4089698"/>
+          </a:xfrm>
+          <a:prstGeom prst="rect">
+            <a:avLst/>
+          </a:prstGeom>
+        </p:spPr>
+      </p:pic>
+    </p:spTree>
+    <p:extLst>
+      <p:ext uri="{BB962C8B-B14F-4D97-AF65-F5344CB8AC3E}">
+        <p14:creationId xmlns:p14="http://schemas.microsoft.com/office/powerpoint/2010/main" val="2322295540"/>
+      </p:ext>
+    </p:extLst>
+  </p:cSld>
+  <p:clrMapOvr>
+    <a:masterClrMapping/>
+  </p:clrMapOvr>
+  <p:timing>
+    <p:tnLst>
+      <p:par>
+        <p:cTn id="1" dur="indefinite" restart="never" nodeType="tmRoot"/>
+      </p:par>
+    </p:tnLst>
+  </p:timing>
+</p:sld>
+</file>
+
+<file path=ppt/slides/slide12.xml><?xml version="1.0" encoding="utf-8"?>
+<p:sld xmlns:a="http://schemas.openxmlformats.org/drawingml/2006/main" xmlns:r="http://schemas.openxmlformats.org/officeDocument/2006/relationships" xmlns:p="http://schemas.openxmlformats.org/presentationml/2006/main">
+  <p:cSld>
+    <p:spTree>
+      <p:nvGrpSpPr>
+        <p:cNvPr id="1" name=""/>
+        <p:cNvGrpSpPr/>
+        <p:nvPr/>
+      </p:nvGrpSpPr>
+      <p:grpSpPr>
+        <a:xfrm>
+          <a:off x="0" y="0"/>
+          <a:ext cx="0" cy="0"/>
+          <a:chOff x="0" y="0"/>
+          <a:chExt cx="0" cy="0"/>
+        </a:xfrm>
+      </p:grpSpPr>
+      <p:pic>
+        <p:nvPicPr>
+          <p:cNvPr id="4" name="Immagine 3"/>
+          <p:cNvPicPr>
+            <a:picLocks noChangeAspect="1"/>
+          </p:cNvPicPr>
+          <p:nvPr/>
+        </p:nvPicPr>
+        <p:blipFill>
+          <a:blip r:embed="rId2">
+            <a:extLst>
+              <a:ext uri="{28A0092B-C50C-407E-A947-70E740481C1C}">
+                <a14:useLocalDpi xmlns:a14="http://schemas.microsoft.com/office/drawing/2010/main" val="0"/>
+              </a:ext>
+            </a:extLst>
+          </a:blip>
+          <a:stretch>
+            <a:fillRect/>
+          </a:stretch>
+        </p:blipFill>
+        <p:spPr>
+          <a:xfrm>
+            <a:off x="1723795" y="1035843"/>
+            <a:ext cx="8656074" cy="5017294"/>
+          </a:xfrm>
+          <a:prstGeom prst="rect">
+            <a:avLst/>
+          </a:prstGeom>
+        </p:spPr>
+      </p:pic>
+    </p:spTree>
+    <p:extLst>
+      <p:ext uri="{BB962C8B-B14F-4D97-AF65-F5344CB8AC3E}">
+        <p14:creationId xmlns:p14="http://schemas.microsoft.com/office/powerpoint/2010/main" val="92298440"/>
+      </p:ext>
+    </p:extLst>
+  </p:cSld>
+  <p:clrMapOvr>
+    <a:masterClrMapping/>
+  </p:clrMapOvr>
+  <p:timing>
+    <p:tnLst>
+      <p:par>
+        <p:cTn id="1" dur="indefinite" restart="never" nodeType="tmRoot"/>
+      </p:par>
+    </p:tnLst>
+  </p:timing>
+</p:sld>
+</file>
+
+<file path=ppt/slides/slide13.xml><?xml version="1.0" encoding="utf-8"?>
+<p:sld xmlns:a="http://schemas.openxmlformats.org/drawingml/2006/main" xmlns:r="http://schemas.openxmlformats.org/officeDocument/2006/relationships" xmlns:p="http://schemas.openxmlformats.org/presentationml/2006/main">
+  <p:cSld>
+    <p:spTree>
+      <p:nvGrpSpPr>
+        <p:cNvPr id="1" name=""/>
+        <p:cNvGrpSpPr/>
+        <p:nvPr/>
+      </p:nvGrpSpPr>
+      <p:grpSpPr>
+        <a:xfrm>
+          <a:off x="0" y="0"/>
+          <a:ext cx="0" cy="0"/>
+          <a:chOff x="0" y="0"/>
+          <a:chExt cx="0" cy="0"/>
+        </a:xfrm>
+      </p:grpSpPr>
+      <p:sp>
+        <p:nvSpPr>
+          <p:cNvPr id="2" name="Titolo 1"/>
+          <p:cNvSpPr>
+            <a:spLocks noGrp="1"/>
+          </p:cNvSpPr>
+          <p:nvPr>
+            <p:ph type="title"/>
+          </p:nvPr>
+        </p:nvSpPr>
+        <p:spPr/>
+        <p:txBody>
+          <a:bodyPr/>
+          <a:lstStyle/>
+          <a:p>
+            <a:r>
+              <a:rPr lang="it-CH" dirty="0" smtClean="0"/>
+              <a:t>Mancanze/limitazioni</a:t>
+            </a:r>
+            <a:endParaRPr lang="en-US" dirty="0"/>
+          </a:p>
+        </p:txBody>
+      </p:sp>
+      <p:sp>
+        <p:nvSpPr>
+          <p:cNvPr id="3" name="Segnaposto contenuto 2"/>
+          <p:cNvSpPr>
+            <a:spLocks noGrp="1"/>
+          </p:cNvSpPr>
+          <p:nvPr>
+            <p:ph idx="1"/>
+          </p:nvPr>
+        </p:nvSpPr>
+        <p:spPr/>
+        <p:txBody>
+          <a:bodyPr/>
+          <a:lstStyle/>
+          <a:p>
+            <a:r>
+              <a:rPr lang="it-CH" dirty="0" smtClean="0"/>
+              <a:t>Sistema recupero password</a:t>
+            </a:r>
+          </a:p>
+          <a:p>
+            <a:r>
+              <a:rPr lang="it-CH" dirty="0" smtClean="0"/>
+              <a:t>Pagina di gestione informazioni personali</a:t>
+            </a:r>
+          </a:p>
+        </p:txBody>
+      </p:sp>
+    </p:spTree>
+    <p:extLst>
+      <p:ext uri="{BB962C8B-B14F-4D97-AF65-F5344CB8AC3E}">
+        <p14:creationId xmlns:p14="http://schemas.microsoft.com/office/powerpoint/2010/main" val="42456115"/>
+      </p:ext>
+    </p:extLst>
+  </p:cSld>
+  <p:clrMapOvr>
+    <a:masterClrMapping/>
+  </p:clrMapOvr>
+  <p:timing>
+    <p:tnLst>
+      <p:par>
+        <p:cTn id="1" dur="indefinite" restart="never" nodeType="tmRoot"/>
+      </p:par>
+    </p:tnLst>
+  </p:timing>
+</p:sld>
+</file>
+
+<file path=ppt/slides/slide14.xml><?xml version="1.0" encoding="utf-8"?>
+<p:sld xmlns:a="http://schemas.openxmlformats.org/drawingml/2006/main" xmlns:r="http://schemas.openxmlformats.org/officeDocument/2006/relationships" xmlns:p="http://schemas.openxmlformats.org/presentationml/2006/main">
+  <p:cSld>
+    <p:spTree>
+      <p:nvGrpSpPr>
+        <p:cNvPr id="1" name=""/>
+        <p:cNvGrpSpPr/>
+        <p:nvPr/>
+      </p:nvGrpSpPr>
+      <p:grpSpPr>
+        <a:xfrm>
+          <a:off x="0" y="0"/>
+          <a:ext cx="0" cy="0"/>
+          <a:chOff x="0" y="0"/>
+          <a:chExt cx="0" cy="0"/>
+        </a:xfrm>
+      </p:grpSpPr>
+      <p:sp>
+        <p:nvSpPr>
+          <p:cNvPr id="2" name="Titolo 1"/>
+          <p:cNvSpPr>
+            <a:spLocks noGrp="1"/>
+          </p:cNvSpPr>
+          <p:nvPr>
+            <p:ph type="title"/>
+          </p:nvPr>
+        </p:nvSpPr>
+        <p:spPr/>
+        <p:txBody>
+          <a:bodyPr/>
+          <a:lstStyle/>
+          <a:p>
+            <a:r>
+              <a:rPr lang="it-CH" dirty="0" smtClean="0"/>
+              <a:t>Sviluppi futuri</a:t>
+            </a:r>
+            <a:endParaRPr lang="en-US" dirty="0"/>
+          </a:p>
+        </p:txBody>
+      </p:sp>
+      <p:sp>
+        <p:nvSpPr>
+          <p:cNvPr id="3" name="Segnaposto contenuto 2"/>
+          <p:cNvSpPr>
+            <a:spLocks noGrp="1"/>
+          </p:cNvSpPr>
+          <p:nvPr>
+            <p:ph idx="1"/>
+          </p:nvPr>
+        </p:nvSpPr>
+        <p:spPr/>
+        <p:txBody>
+          <a:bodyPr/>
+          <a:lstStyle/>
+          <a:p>
+            <a:r>
+              <a:rPr lang="it-CH" dirty="0" smtClean="0"/>
+              <a:t>Sistema di cambio password</a:t>
+            </a:r>
+          </a:p>
+          <a:p>
+            <a:r>
+              <a:rPr lang="it-CH" dirty="0" smtClean="0"/>
+              <a:t>Sistema cambio informazioni personali indipendente</a:t>
+            </a:r>
+          </a:p>
+          <a:p>
+            <a:endParaRPr lang="it-CH" dirty="0" smtClean="0"/>
+          </a:p>
+        </p:txBody>
+      </p:sp>
+    </p:spTree>
+    <p:extLst>
+      <p:ext uri="{BB962C8B-B14F-4D97-AF65-F5344CB8AC3E}">
+        <p14:creationId xmlns:p14="http://schemas.microsoft.com/office/powerpoint/2010/main" val="3479922865"/>
+      </p:ext>
+    </p:extLst>
+  </p:cSld>
+  <p:clrMapOvr>
+    <a:masterClrMapping/>
+  </p:clrMapOvr>
+  <p:timing>
+    <p:tnLst>
+      <p:par>
+        <p:cTn id="1" dur="indefinite" restart="never" nodeType="tmRoot"/>
+      </p:par>
+    </p:tnLst>
+  </p:timing>
+</p:sld>
+</file>
+
+<file path=ppt/slides/slide15.xml><?xml version="1.0" encoding="utf-8"?>
+<p:sld xmlns:a="http://schemas.openxmlformats.org/drawingml/2006/main" xmlns:r="http://schemas.openxmlformats.org/officeDocument/2006/relationships" xmlns:p="http://schemas.openxmlformats.org/presentationml/2006/main">
+  <p:cSld>
+    <p:spTree>
+      <p:nvGrpSpPr>
+        <p:cNvPr id="1" name=""/>
+        <p:cNvGrpSpPr/>
+        <p:nvPr/>
+      </p:nvGrpSpPr>
+      <p:grpSpPr>
+        <a:xfrm>
+          <a:off x="0" y="0"/>
+          <a:ext cx="0" cy="0"/>
+          <a:chOff x="0" y="0"/>
+          <a:chExt cx="0" cy="0"/>
+        </a:xfrm>
+      </p:grpSpPr>
+      <p:sp>
+        <p:nvSpPr>
+          <p:cNvPr id="2" name="Titolo 1"/>
+          <p:cNvSpPr>
+            <a:spLocks noGrp="1"/>
+          </p:cNvSpPr>
+          <p:nvPr>
+            <p:ph type="title"/>
+          </p:nvPr>
+        </p:nvSpPr>
+        <p:spPr/>
+        <p:txBody>
+          <a:bodyPr/>
+          <a:lstStyle/>
+          <a:p>
+            <a:r>
+              <a:rPr lang="it-CH" dirty="0" smtClean="0"/>
+              <a:t>Fine</a:t>
+            </a:r>
+            <a:endParaRPr lang="en-US" dirty="0"/>
+          </a:p>
+        </p:txBody>
+      </p:sp>
+      <p:sp>
+        <p:nvSpPr>
+          <p:cNvPr id="3" name="Segnaposto contenuto 2"/>
+          <p:cNvSpPr>
+            <a:spLocks noGrp="1"/>
+          </p:cNvSpPr>
+          <p:nvPr>
+            <p:ph idx="1"/>
+          </p:nvPr>
+        </p:nvSpPr>
+        <p:spPr/>
+        <p:txBody>
+          <a:bodyPr/>
+          <a:lstStyle/>
+          <a:p>
+            <a:r>
+              <a:rPr lang="it-CH" dirty="0" smtClean="0"/>
+              <a:t>Grazie per la vostra attenzione</a:t>
+            </a:r>
+            <a:endParaRPr lang="en-US" dirty="0"/>
+          </a:p>
+        </p:txBody>
+      </p:sp>
+    </p:spTree>
+    <p:extLst>
+      <p:ext uri="{BB962C8B-B14F-4D97-AF65-F5344CB8AC3E}">
+        <p14:creationId xmlns:p14="http://schemas.microsoft.com/office/powerpoint/2010/main" val="525145670"/>
+      </p:ext>
+    </p:extLst>
+  </p:cSld>
+  <p:clrMapOvr>
+    <a:masterClrMapping/>
+  </p:clrMapOvr>
+  <p:timing>
+    <p:tnLst>
+      <p:par>
+        <p:cTn id="1" dur="indefinite" restart="never" nodeType="tmRoot"/>
+      </p:par>
+    </p:tnLst>
+  </p:timing>
 </p:sld>
 </file>
 
@@ -3061,7 +3586,7 @@
           <a:p>
             <a:r>
               <a:rPr lang="it-CH" dirty="0" smtClean="0"/>
-              <a:t>Chi sono.</a:t>
+              <a:t>Su di me</a:t>
             </a:r>
             <a:endParaRPr lang="en-US" dirty="0"/>
           </a:p>
@@ -3082,7 +3607,27 @@
           <a:bodyPr/>
           <a:lstStyle/>
           <a:p>
-            <a:endParaRPr lang="en-US"/>
+            <a:pPr lvl="1"/>
+            <a:r>
+              <a:rPr lang="it-CH" dirty="0" smtClean="0"/>
+              <a:t>Bryan Beffa</a:t>
+            </a:r>
+          </a:p>
+          <a:p>
+            <a:pPr lvl="2"/>
+            <a:r>
+              <a:rPr lang="it-CH" dirty="0"/>
+              <a:t>b</a:t>
+            </a:r>
+            <a:r>
+              <a:rPr lang="it-CH" dirty="0" smtClean="0"/>
+              <a:t>ryan.beffa</a:t>
+            </a:r>
+            <a:r>
+              <a:rPr lang="it-CH" dirty="0" smtClean="0"/>
+              <a:t>@samtrevano.ch</a:t>
+            </a:r>
+            <a:endParaRPr lang="en-US" dirty="0"/>
           </a:p>
         </p:txBody>
       </p:sp>
@@ -3096,6 +3641,13 @@
   <p:clrMapOvr>
     <a:masterClrMapping/>
   </p:clrMapOvr>
+  <p:timing>
+    <p:tnLst>
+      <p:par>
+        <p:cTn id="1" dur="indefinite" restart="never" nodeType="tmRoot"/>
+      </p:par>
+    </p:tnLst>
+  </p:timing>
 </p:sld>
 </file>
 
@@ -3154,7 +3706,11 @@
           <a:bodyPr/>
           <a:lstStyle/>
           <a:p>
-            <a:endParaRPr lang="en-US"/>
+            <a:r>
+              <a:rPr lang="it-CH" dirty="0" smtClean="0"/>
+              <a:t>Sistema di archiviazione di casi di documentazione tecnica</a:t>
+            </a:r>
+            <a:endParaRPr lang="en-US" dirty="0"/>
           </a:p>
         </p:txBody>
       </p:sp>
@@ -3168,6 +3724,13 @@
   <p:clrMapOvr>
     <a:masterClrMapping/>
   </p:clrMapOvr>
+  <p:timing>
+    <p:tnLst>
+      <p:par>
+        <p:cTn id="1" dur="indefinite" restart="never" nodeType="tmRoot"/>
+      </p:par>
+    </p:tnLst>
+  </p:timing>
 </p:sld>
 </file>
 
@@ -3226,7 +3789,66 @@
           <a:bodyPr/>
           <a:lstStyle/>
           <a:p>
-            <a:endParaRPr lang="en-US"/>
+            <a:r>
+              <a:rPr lang="it-CH" dirty="0" smtClean="0"/>
+              <a:t>Applicativo web</a:t>
+            </a:r>
+          </a:p>
+          <a:p>
+            <a:r>
+              <a:rPr lang="it-CH" dirty="0" smtClean="0"/>
+              <a:t>Sistema di autenticazione</a:t>
+            </a:r>
+          </a:p>
+          <a:p>
+            <a:r>
+              <a:rPr lang="it-CH" dirty="0" smtClean="0"/>
+              <a:t>Utenti con privilegi di diverso livello</a:t>
+            </a:r>
+          </a:p>
+          <a:p>
+            <a:r>
+              <a:rPr lang="it-CH" dirty="0" smtClean="0"/>
+              <a:t>Utenti </a:t>
+            </a:r>
+            <a:r>
+              <a:rPr lang="it-CH" dirty="0" err="1" smtClean="0"/>
+              <a:t>admin</a:t>
+            </a:r>
+            <a:endParaRPr lang="it-CH" dirty="0" smtClean="0"/>
+          </a:p>
+          <a:p>
+            <a:pPr lvl="1"/>
+            <a:r>
+              <a:rPr lang="it-CH" dirty="0" smtClean="0"/>
+              <a:t>Pagina di gestione utenti</a:t>
+            </a:r>
+            <a:endParaRPr lang="it-CH" dirty="0"/>
+          </a:p>
+          <a:p>
+            <a:pPr lvl="1"/>
+            <a:r>
+              <a:rPr lang="it-CH" dirty="0" smtClean="0"/>
+              <a:t>Più funzionalità</a:t>
+            </a:r>
+            <a:endParaRPr lang="en-US" dirty="0"/>
+          </a:p>
+          <a:p>
+            <a:r>
+              <a:rPr lang="it-CH" dirty="0" smtClean="0"/>
+              <a:t>Tutti gli utenti</a:t>
+            </a:r>
+          </a:p>
+          <a:p>
+            <a:pPr lvl="1"/>
+            <a:r>
+              <a:rPr lang="it-CH" dirty="0" smtClean="0"/>
+              <a:t>Pagina di visualizzazione casi</a:t>
+            </a:r>
+          </a:p>
+          <a:p>
+            <a:pPr lvl="1"/>
+            <a:endParaRPr lang="it-CH" dirty="0"/>
           </a:p>
         </p:txBody>
       </p:sp>
@@ -3240,6 +3862,13 @@
   <p:clrMapOvr>
     <a:masterClrMapping/>
   </p:clrMapOvr>
+  <p:timing>
+    <p:tnLst>
+      <p:par>
+        <p:cTn id="1" dur="indefinite" restart="never" nodeType="tmRoot"/>
+      </p:par>
+    </p:tnLst>
+  </p:timing>
 </p:sld>
 </file>
 
@@ -3277,45 +3906,317 @@
           <a:p>
             <a:r>
               <a:rPr lang="it-CH" dirty="0" smtClean="0"/>
-              <a:t>Fine</a:t>
+              <a:t>Gantt Preventivo</a:t>
             </a:r>
             <a:endParaRPr lang="en-US" dirty="0"/>
           </a:p>
         </p:txBody>
       </p:sp>
-      <p:sp>
-        <p:nvSpPr>
-          <p:cNvPr id="3" name="Segnaposto contenuto 2"/>
-          <p:cNvSpPr>
-            <a:spLocks noGrp="1"/>
-          </p:cNvSpPr>
-          <p:nvPr>
-            <p:ph idx="1"/>
-          </p:nvPr>
-        </p:nvSpPr>
-        <p:spPr/>
-        <p:txBody>
-          <a:bodyPr/>
-          <a:lstStyle/>
-          <a:p>
-            <a:r>
-              <a:rPr lang="it-CH" dirty="0" smtClean="0"/>
-              <a:t>Grazie per la vostra attenzione</a:t>
-            </a:r>
-            <a:endParaRPr lang="en-US" dirty="0"/>
-          </a:p>
-        </p:txBody>
-      </p:sp>
+      <p:pic>
+        <p:nvPicPr>
+          <p:cNvPr id="4" name="Immagine 3"/>
+          <p:cNvPicPr>
+            <a:picLocks noChangeAspect="1"/>
+          </p:cNvPicPr>
+          <p:nvPr/>
+        </p:nvPicPr>
+        <p:blipFill>
+          <a:blip r:embed="rId2"/>
+          <a:stretch>
+            <a:fillRect/>
+          </a:stretch>
+        </p:blipFill>
+        <p:spPr>
+          <a:xfrm>
+            <a:off x="2284546" y="1350091"/>
+            <a:ext cx="7369593" cy="5325429"/>
+          </a:xfrm>
+          <a:prstGeom prst="rect">
+            <a:avLst/>
+          </a:prstGeom>
+        </p:spPr>
+      </p:pic>
     </p:spTree>
     <p:extLst>
       <p:ext uri="{BB962C8B-B14F-4D97-AF65-F5344CB8AC3E}">
-        <p14:creationId xmlns:p14="http://schemas.microsoft.com/office/powerpoint/2010/main" val="525145670"/>
+        <p14:creationId xmlns:p14="http://schemas.microsoft.com/office/powerpoint/2010/main" val="2307245795"/>
       </p:ext>
     </p:extLst>
   </p:cSld>
   <p:clrMapOvr>
     <a:masterClrMapping/>
   </p:clrMapOvr>
+  <p:timing>
+    <p:tnLst>
+      <p:par>
+        <p:cTn id="1" dur="indefinite" restart="never" nodeType="tmRoot"/>
+      </p:par>
+    </p:tnLst>
+  </p:timing>
+</p:sld>
+</file>
+
+<file path=ppt/slides/slide6.xml><?xml version="1.0" encoding="utf-8"?>
+<p:sld xmlns:a="http://schemas.openxmlformats.org/drawingml/2006/main" xmlns:r="http://schemas.openxmlformats.org/officeDocument/2006/relationships" xmlns:p="http://schemas.openxmlformats.org/presentationml/2006/main">
+  <p:cSld>
+    <p:spTree>
+      <p:nvGrpSpPr>
+        <p:cNvPr id="1" name=""/>
+        <p:cNvGrpSpPr/>
+        <p:nvPr/>
+      </p:nvGrpSpPr>
+      <p:grpSpPr>
+        <a:xfrm>
+          <a:off x="0" y="0"/>
+          <a:ext cx="0" cy="0"/>
+          <a:chOff x="0" y="0"/>
+          <a:chExt cx="0" cy="0"/>
+        </a:xfrm>
+      </p:grpSpPr>
+      <p:pic>
+        <p:nvPicPr>
+          <p:cNvPr id="4" name="Immagine 3"/>
+          <p:cNvPicPr>
+            <a:picLocks noChangeAspect="1"/>
+          </p:cNvPicPr>
+          <p:nvPr/>
+        </p:nvPicPr>
+        <p:blipFill rotWithShape="1">
+          <a:blip r:embed="rId2"/>
+          <a:srcRect b="23536"/>
+          <a:stretch/>
+        </p:blipFill>
+        <p:spPr>
+          <a:xfrm>
+            <a:off x="131846" y="153603"/>
+            <a:ext cx="11915775" cy="6584081"/>
+          </a:xfrm>
+          <a:prstGeom prst="rect">
+            <a:avLst/>
+          </a:prstGeom>
+        </p:spPr>
+      </p:pic>
+    </p:spTree>
+    <p:extLst>
+      <p:ext uri="{BB962C8B-B14F-4D97-AF65-F5344CB8AC3E}">
+        <p14:creationId xmlns:p14="http://schemas.microsoft.com/office/powerpoint/2010/main" val="3569374406"/>
+      </p:ext>
+    </p:extLst>
+  </p:cSld>
+  <p:clrMapOvr>
+    <a:masterClrMapping/>
+  </p:clrMapOvr>
+  <p:timing>
+    <p:tnLst>
+      <p:par>
+        <p:cTn id="1" dur="indefinite" restart="never" nodeType="tmRoot"/>
+      </p:par>
+    </p:tnLst>
+  </p:timing>
+</p:sld>
+</file>
+
+<file path=ppt/slides/slide7.xml><?xml version="1.0" encoding="utf-8"?>
+<p:sld xmlns:a="http://schemas.openxmlformats.org/drawingml/2006/main" xmlns:r="http://schemas.openxmlformats.org/officeDocument/2006/relationships" xmlns:p="http://schemas.openxmlformats.org/presentationml/2006/main">
+  <p:cSld>
+    <p:spTree>
+      <p:nvGrpSpPr>
+        <p:cNvPr id="1" name=""/>
+        <p:cNvGrpSpPr/>
+        <p:nvPr/>
+      </p:nvGrpSpPr>
+      <p:grpSpPr>
+        <a:xfrm>
+          <a:off x="0" y="0"/>
+          <a:ext cx="0" cy="0"/>
+          <a:chOff x="0" y="0"/>
+          <a:chExt cx="0" cy="0"/>
+        </a:xfrm>
+      </p:grpSpPr>
+      <p:pic>
+        <p:nvPicPr>
+          <p:cNvPr id="4" name="Immagine 3"/>
+          <p:cNvPicPr>
+            <a:picLocks noChangeAspect="1"/>
+          </p:cNvPicPr>
+          <p:nvPr/>
+        </p:nvPicPr>
+        <p:blipFill rotWithShape="1">
+          <a:blip r:embed="rId2"/>
+          <a:srcRect t="22809"/>
+          <a:stretch/>
+        </p:blipFill>
+        <p:spPr>
+          <a:xfrm>
+            <a:off x="157362" y="96252"/>
+            <a:ext cx="11915775" cy="6646645"/>
+          </a:xfrm>
+          <a:prstGeom prst="rect">
+            <a:avLst/>
+          </a:prstGeom>
+        </p:spPr>
+      </p:pic>
+    </p:spTree>
+    <p:extLst>
+      <p:ext uri="{BB962C8B-B14F-4D97-AF65-F5344CB8AC3E}">
+        <p14:creationId xmlns:p14="http://schemas.microsoft.com/office/powerpoint/2010/main" val="915874502"/>
+      </p:ext>
+    </p:extLst>
+  </p:cSld>
+  <p:clrMapOvr>
+    <a:masterClrMapping/>
+  </p:clrMapOvr>
+  <p:timing>
+    <p:tnLst>
+      <p:par>
+        <p:cTn id="1" dur="indefinite" restart="never" nodeType="tmRoot"/>
+      </p:par>
+    </p:tnLst>
+  </p:timing>
+</p:sld>
+</file>
+
+<file path=ppt/slides/slide8.xml><?xml version="1.0" encoding="utf-8"?>
+<p:sld xmlns:a="http://schemas.openxmlformats.org/drawingml/2006/main" xmlns:r="http://schemas.openxmlformats.org/officeDocument/2006/relationships" xmlns:p="http://schemas.openxmlformats.org/presentationml/2006/main">
+  <p:cSld>
+    <p:spTree>
+      <p:nvGrpSpPr>
+        <p:cNvPr id="1" name=""/>
+        <p:cNvGrpSpPr/>
+        <p:nvPr/>
+      </p:nvGrpSpPr>
+      <p:grpSpPr>
+        <a:xfrm>
+          <a:off x="0" y="0"/>
+          <a:ext cx="0" cy="0"/>
+          <a:chOff x="0" y="0"/>
+          <a:chExt cx="0" cy="0"/>
+        </a:xfrm>
+      </p:grpSpPr>
+      <p:sp>
+        <p:nvSpPr>
+          <p:cNvPr id="2" name="Titolo 1"/>
+          <p:cNvSpPr>
+            <a:spLocks noGrp="1"/>
+          </p:cNvSpPr>
+          <p:nvPr>
+            <p:ph type="title"/>
+          </p:nvPr>
+        </p:nvSpPr>
+        <p:spPr/>
+        <p:txBody>
+          <a:bodyPr/>
+          <a:lstStyle/>
+          <a:p>
+            <a:r>
+              <a:rPr lang="it-CH" dirty="0" smtClean="0"/>
+              <a:t>Gantt consuntivo</a:t>
+            </a:r>
+            <a:endParaRPr lang="en-US" dirty="0"/>
+          </a:p>
+        </p:txBody>
+      </p:sp>
+      <p:pic>
+        <p:nvPicPr>
+          <p:cNvPr id="4" name="Immagine 3"/>
+          <p:cNvPicPr>
+            <a:picLocks noChangeAspect="1"/>
+          </p:cNvPicPr>
+          <p:nvPr/>
+        </p:nvPicPr>
+        <p:blipFill>
+          <a:blip r:embed="rId2"/>
+          <a:stretch>
+            <a:fillRect/>
+          </a:stretch>
+        </p:blipFill>
+        <p:spPr>
+          <a:xfrm>
+            <a:off x="2057299" y="1523206"/>
+            <a:ext cx="8077401" cy="5084938"/>
+          </a:xfrm>
+          <a:prstGeom prst="rect">
+            <a:avLst/>
+          </a:prstGeom>
+        </p:spPr>
+      </p:pic>
+    </p:spTree>
+    <p:extLst>
+      <p:ext uri="{BB962C8B-B14F-4D97-AF65-F5344CB8AC3E}">
+        <p14:creationId xmlns:p14="http://schemas.microsoft.com/office/powerpoint/2010/main" val="1175881509"/>
+      </p:ext>
+    </p:extLst>
+  </p:cSld>
+  <p:clrMapOvr>
+    <a:masterClrMapping/>
+  </p:clrMapOvr>
+  <p:timing>
+    <p:tnLst>
+      <p:par>
+        <p:cTn id="1" dur="indefinite" restart="never" nodeType="tmRoot"/>
+      </p:par>
+    </p:tnLst>
+  </p:timing>
+</p:sld>
+</file>
+
+<file path=ppt/slides/slide9.xml><?xml version="1.0" encoding="utf-8"?>
+<p:sld xmlns:a="http://schemas.openxmlformats.org/drawingml/2006/main" xmlns:r="http://schemas.openxmlformats.org/officeDocument/2006/relationships" xmlns:p="http://schemas.openxmlformats.org/presentationml/2006/main">
+  <p:cSld>
+    <p:spTree>
+      <p:nvGrpSpPr>
+        <p:cNvPr id="1" name=""/>
+        <p:cNvGrpSpPr/>
+        <p:nvPr/>
+      </p:nvGrpSpPr>
+      <p:grpSpPr>
+        <a:xfrm>
+          <a:off x="0" y="0"/>
+          <a:ext cx="0" cy="0"/>
+          <a:chOff x="0" y="0"/>
+          <a:chExt cx="0" cy="0"/>
+        </a:xfrm>
+      </p:grpSpPr>
+      <p:pic>
+        <p:nvPicPr>
+          <p:cNvPr id="4" name="Immagine 3"/>
+          <p:cNvPicPr>
+            <a:picLocks noChangeAspect="1"/>
+          </p:cNvPicPr>
+          <p:nvPr/>
+        </p:nvPicPr>
+        <p:blipFill rotWithShape="1">
+          <a:blip r:embed="rId2"/>
+          <a:srcRect b="13647"/>
+          <a:stretch/>
+        </p:blipFill>
+        <p:spPr>
+          <a:xfrm>
+            <a:off x="132949" y="134354"/>
+            <a:ext cx="11987750" cy="6516703"/>
+          </a:xfrm>
+          <a:prstGeom prst="rect">
+            <a:avLst/>
+          </a:prstGeom>
+        </p:spPr>
+      </p:pic>
+    </p:spTree>
+    <p:extLst>
+      <p:ext uri="{BB962C8B-B14F-4D97-AF65-F5344CB8AC3E}">
+        <p14:creationId xmlns:p14="http://schemas.microsoft.com/office/powerpoint/2010/main" val="3323897485"/>
+      </p:ext>
+    </p:extLst>
+  </p:cSld>
+  <p:clrMapOvr>
+    <a:masterClrMapping/>
+  </p:clrMapOvr>
+  <p:timing>
+    <p:tnLst>
+      <p:par>
+        <p:cTn id="1" dur="indefinite" restart="never" nodeType="tmRoot"/>
+      </p:par>
+    </p:tnLst>
+  </p:timing>
 </p:sld>
 </file>
 

--- a/Presentation/Knowledge Base.pptx
+++ b/Presentation/Knowledge Base.pptx
@@ -17,9 +17,15 @@
     <p:sldId id="270" r:id="rId11"/>
     <p:sldId id="267" r:id="rId12"/>
     <p:sldId id="268" r:id="rId13"/>
-    <p:sldId id="262" r:id="rId14"/>
-    <p:sldId id="261" r:id="rId15"/>
-    <p:sldId id="260" r:id="rId16"/>
+    <p:sldId id="271" r:id="rId14"/>
+    <p:sldId id="272" r:id="rId15"/>
+    <p:sldId id="273" r:id="rId16"/>
+    <p:sldId id="274" r:id="rId17"/>
+    <p:sldId id="275" r:id="rId18"/>
+    <p:sldId id="276" r:id="rId19"/>
+    <p:sldId id="277" r:id="rId20"/>
+    <p:sldId id="261" r:id="rId21"/>
+    <p:sldId id="260" r:id="rId22"/>
   </p:sldIdLst>
   <p:sldSz cx="12192000" cy="6858000"/>
   <p:notesSz cx="6858000" cy="9144000"/>
@@ -257,7 +263,7 @@
           <a:p>
             <a:fld id="{CB44A07C-85C8-4C7B-B098-BF9DC575F3FC}" type="datetimeFigureOut">
               <a:rPr lang="en-US" smtClean="0"/>
-              <a:t>12/22/2019</a:t>
+              <a:t>12/23/2019</a:t>
             </a:fld>
             <a:endParaRPr lang="en-US"/>
           </a:p>
@@ -427,7 +433,7 @@
           <a:p>
             <a:fld id="{CB44A07C-85C8-4C7B-B098-BF9DC575F3FC}" type="datetimeFigureOut">
               <a:rPr lang="en-US" smtClean="0"/>
-              <a:t>12/22/2019</a:t>
+              <a:t>12/23/2019</a:t>
             </a:fld>
             <a:endParaRPr lang="en-US"/>
           </a:p>
@@ -607,7 +613,7 @@
           <a:p>
             <a:fld id="{CB44A07C-85C8-4C7B-B098-BF9DC575F3FC}" type="datetimeFigureOut">
               <a:rPr lang="en-US" smtClean="0"/>
-              <a:t>12/22/2019</a:t>
+              <a:t>12/23/2019</a:t>
             </a:fld>
             <a:endParaRPr lang="en-US"/>
           </a:p>
@@ -777,7 +783,7 @@
           <a:p>
             <a:fld id="{CB44A07C-85C8-4C7B-B098-BF9DC575F3FC}" type="datetimeFigureOut">
               <a:rPr lang="en-US" smtClean="0"/>
-              <a:t>12/22/2019</a:t>
+              <a:t>12/23/2019</a:t>
             </a:fld>
             <a:endParaRPr lang="en-US"/>
           </a:p>
@@ -1023,7 +1029,7 @@
           <a:p>
             <a:fld id="{CB44A07C-85C8-4C7B-B098-BF9DC575F3FC}" type="datetimeFigureOut">
               <a:rPr lang="en-US" smtClean="0"/>
-              <a:t>12/22/2019</a:t>
+              <a:t>12/23/2019</a:t>
             </a:fld>
             <a:endParaRPr lang="en-US"/>
           </a:p>
@@ -1255,7 +1261,7 @@
           <a:p>
             <a:fld id="{CB44A07C-85C8-4C7B-B098-BF9DC575F3FC}" type="datetimeFigureOut">
               <a:rPr lang="en-US" smtClean="0"/>
-              <a:t>12/22/2019</a:t>
+              <a:t>12/23/2019</a:t>
             </a:fld>
             <a:endParaRPr lang="en-US"/>
           </a:p>
@@ -1622,7 +1628,7 @@
           <a:p>
             <a:fld id="{CB44A07C-85C8-4C7B-B098-BF9DC575F3FC}" type="datetimeFigureOut">
               <a:rPr lang="en-US" smtClean="0"/>
-              <a:t>12/22/2019</a:t>
+              <a:t>12/23/2019</a:t>
             </a:fld>
             <a:endParaRPr lang="en-US"/>
           </a:p>
@@ -1740,7 +1746,7 @@
           <a:p>
             <a:fld id="{CB44A07C-85C8-4C7B-B098-BF9DC575F3FC}" type="datetimeFigureOut">
               <a:rPr lang="en-US" smtClean="0"/>
-              <a:t>12/22/2019</a:t>
+              <a:t>12/23/2019</a:t>
             </a:fld>
             <a:endParaRPr lang="en-US"/>
           </a:p>
@@ -1835,7 +1841,7 @@
           <a:p>
             <a:fld id="{CB44A07C-85C8-4C7B-B098-BF9DC575F3FC}" type="datetimeFigureOut">
               <a:rPr lang="en-US" smtClean="0"/>
-              <a:t>12/22/2019</a:t>
+              <a:t>12/23/2019</a:t>
             </a:fld>
             <a:endParaRPr lang="en-US"/>
           </a:p>
@@ -2112,7 +2118,7 @@
           <a:p>
             <a:fld id="{CB44A07C-85C8-4C7B-B098-BF9DC575F3FC}" type="datetimeFigureOut">
               <a:rPr lang="en-US" smtClean="0"/>
-              <a:t>12/22/2019</a:t>
+              <a:t>12/23/2019</a:t>
             </a:fld>
             <a:endParaRPr lang="en-US"/>
           </a:p>
@@ -2365,7 +2371,7 @@
           <a:p>
             <a:fld id="{CB44A07C-85C8-4C7B-B098-BF9DC575F3FC}" type="datetimeFigureOut">
               <a:rPr lang="en-US" smtClean="0"/>
-              <a:t>12/22/2019</a:t>
+              <a:t>12/23/2019</a:t>
             </a:fld>
             <a:endParaRPr lang="en-US"/>
           </a:p>
@@ -2578,7 +2584,7 @@
           <a:p>
             <a:fld id="{CB44A07C-85C8-4C7B-B098-BF9DC575F3FC}" type="datetimeFigureOut">
               <a:rPr lang="en-US" smtClean="0"/>
-              <a:t>12/22/2019</a:t>
+              <a:t>12/23/2019</a:t>
             </a:fld>
             <a:endParaRPr lang="en-US"/>
           </a:p>
@@ -3324,7 +3330,7 @@
           <a:p>
             <a:r>
               <a:rPr lang="it-CH" dirty="0" smtClean="0"/>
-              <a:t>Mancanze/limitazioni</a:t>
+              <a:t>Pattern MVC</a:t>
             </a:r>
             <a:endParaRPr lang="en-US" dirty="0"/>
           </a:p>
@@ -3347,21 +3353,33 @@
           <a:p>
             <a:r>
               <a:rPr lang="it-CH" dirty="0" smtClean="0"/>
-              <a:t>Sistema recupero password</a:t>
-            </a:r>
+              <a:t>Connessione alla banca dati e gestione delle </a:t>
+            </a:r>
+            <a:r>
+              <a:rPr lang="it-CH" dirty="0" err="1" smtClean="0"/>
+              <a:t>query</a:t>
+            </a:r>
+            <a:endParaRPr lang="it-CH" dirty="0" smtClean="0"/>
           </a:p>
           <a:p>
             <a:r>
               <a:rPr lang="it-CH" dirty="0" smtClean="0"/>
-              <a:t>Pagina di gestione informazioni personali</a:t>
-            </a:r>
+              <a:t>Elaborazione e gestione dati ricavati</a:t>
+            </a:r>
+          </a:p>
+          <a:p>
+            <a:r>
+              <a:rPr lang="it-CH" dirty="0" smtClean="0"/>
+              <a:t>Output mostrato nel browser </a:t>
+            </a:r>
+            <a:endParaRPr lang="en-US" dirty="0"/>
           </a:p>
         </p:txBody>
       </p:sp>
     </p:spTree>
     <p:extLst>
       <p:ext uri="{BB962C8B-B14F-4D97-AF65-F5344CB8AC3E}">
-        <p14:creationId xmlns:p14="http://schemas.microsoft.com/office/powerpoint/2010/main" val="42456115"/>
+        <p14:creationId xmlns:p14="http://schemas.microsoft.com/office/powerpoint/2010/main" val="3097548918"/>
       </p:ext>
     </p:extLst>
   </p:cSld>
@@ -3411,8 +3429,12 @@
           <a:lstStyle/>
           <a:p>
             <a:r>
+              <a:rPr lang="it-CH" dirty="0" err="1" smtClean="0"/>
+              <a:t>Material</a:t>
+            </a:r>
+            <a:r>
               <a:rPr lang="it-CH" dirty="0" smtClean="0"/>
-              <a:t>Sviluppi futuri</a:t>
+              <a:t> Design per Bootstrap</a:t>
             </a:r>
             <a:endParaRPr lang="en-US" dirty="0"/>
           </a:p>
@@ -3435,24 +3457,56 @@
           <a:p>
             <a:r>
               <a:rPr lang="it-CH" dirty="0" smtClean="0"/>
-              <a:t>Sistema di cambio password</a:t>
+              <a:t>Velocizza la creazione delle interfacce</a:t>
             </a:r>
           </a:p>
           <a:p>
             <a:r>
               <a:rPr lang="it-CH" dirty="0" smtClean="0"/>
-              <a:t>Sistema cambio informazioni personali indipendente</a:t>
-            </a:r>
-          </a:p>
-          <a:p>
-            <a:endParaRPr lang="it-CH" dirty="0" smtClean="0"/>
+              <a:t>CSS</a:t>
+            </a:r>
+          </a:p>
+          <a:p>
+            <a:pPr lvl="1"/>
+            <a:r>
+              <a:rPr lang="it-CH" dirty="0" smtClean="0"/>
+              <a:t>Animazioni</a:t>
+            </a:r>
+          </a:p>
+          <a:p>
+            <a:pPr lvl="1"/>
+            <a:r>
+              <a:rPr lang="it-CH" dirty="0" smtClean="0"/>
+              <a:t>Icone</a:t>
+            </a:r>
+          </a:p>
+          <a:p>
+            <a:pPr lvl="1"/>
+            <a:r>
+              <a:rPr lang="it-CH" dirty="0" smtClean="0"/>
+              <a:t>Classi</a:t>
+            </a:r>
+            <a:endParaRPr lang="it-CH" dirty="0"/>
+          </a:p>
+          <a:p>
+            <a:r>
+              <a:rPr lang="it-CH" dirty="0" smtClean="0"/>
+              <a:t>Rende l’applicativo completamente responsive</a:t>
+            </a:r>
+            <a:endParaRPr lang="en-US" dirty="0"/>
+          </a:p>
+          <a:p>
+            <a:r>
+              <a:rPr lang="it-CH" dirty="0" smtClean="0"/>
+              <a:t>Javascript</a:t>
+            </a:r>
           </a:p>
         </p:txBody>
       </p:sp>
     </p:spTree>
     <p:extLst>
       <p:ext uri="{BB962C8B-B14F-4D97-AF65-F5344CB8AC3E}">
-        <p14:creationId xmlns:p14="http://schemas.microsoft.com/office/powerpoint/2010/main" val="3479922865"/>
+        <p14:creationId xmlns:p14="http://schemas.microsoft.com/office/powerpoint/2010/main" val="128846826"/>
       </p:ext>
     </p:extLst>
   </p:cSld>
@@ -3486,56 +3540,379 @@
           <a:chExt cx="0" cy="0"/>
         </a:xfrm>
       </p:grpSpPr>
-      <p:sp>
-        <p:nvSpPr>
-          <p:cNvPr id="2" name="Titolo 1"/>
-          <p:cNvSpPr>
-            <a:spLocks noGrp="1"/>
-          </p:cNvSpPr>
-          <p:nvPr>
-            <p:ph type="title"/>
-          </p:nvPr>
-        </p:nvSpPr>
-        <p:spPr/>
-        <p:txBody>
-          <a:bodyPr/>
-          <a:lstStyle/>
-          <a:p>
-            <a:r>
-              <a:rPr lang="it-CH" dirty="0" smtClean="0"/>
-              <a:t>Fine</a:t>
-            </a:r>
-            <a:endParaRPr lang="en-US" dirty="0"/>
-          </a:p>
-        </p:txBody>
-      </p:sp>
-      <p:sp>
-        <p:nvSpPr>
-          <p:cNvPr id="3" name="Segnaposto contenuto 2"/>
-          <p:cNvSpPr>
-            <a:spLocks noGrp="1"/>
-          </p:cNvSpPr>
-          <p:nvPr>
-            <p:ph idx="1"/>
-          </p:nvPr>
-        </p:nvSpPr>
-        <p:spPr/>
-        <p:txBody>
-          <a:bodyPr/>
-          <a:lstStyle/>
-          <a:p>
-            <a:r>
-              <a:rPr lang="it-CH" dirty="0" smtClean="0"/>
-              <a:t>Grazie per la vostra attenzione</a:t>
-            </a:r>
-            <a:endParaRPr lang="en-US" dirty="0"/>
-          </a:p>
-        </p:txBody>
-      </p:sp>
+      <p:pic>
+        <p:nvPicPr>
+          <p:cNvPr id="4" name="Immagine 3"/>
+          <p:cNvPicPr>
+            <a:picLocks noChangeAspect="1"/>
+          </p:cNvPicPr>
+          <p:nvPr/>
+        </p:nvPicPr>
+        <p:blipFill>
+          <a:blip r:embed="rId2"/>
+          <a:stretch>
+            <a:fillRect/>
+          </a:stretch>
+        </p:blipFill>
+        <p:spPr>
+          <a:xfrm>
+            <a:off x="248709" y="294746"/>
+            <a:ext cx="11709113" cy="6351587"/>
+          </a:xfrm>
+          <a:prstGeom prst="rect">
+            <a:avLst/>
+          </a:prstGeom>
+        </p:spPr>
+      </p:pic>
     </p:spTree>
     <p:extLst>
       <p:ext uri="{BB962C8B-B14F-4D97-AF65-F5344CB8AC3E}">
-        <p14:creationId xmlns:p14="http://schemas.microsoft.com/office/powerpoint/2010/main" val="525145670"/>
+        <p14:creationId xmlns:p14="http://schemas.microsoft.com/office/powerpoint/2010/main" val="212116709"/>
+      </p:ext>
+    </p:extLst>
+  </p:cSld>
+  <p:clrMapOvr>
+    <a:masterClrMapping/>
+  </p:clrMapOvr>
+  <p:timing>
+    <p:tnLst>
+      <p:par>
+        <p:cTn id="1" dur="indefinite" restart="never" nodeType="tmRoot"/>
+      </p:par>
+    </p:tnLst>
+  </p:timing>
+</p:sld>
+</file>
+
+<file path=ppt/slides/slide16.xml><?xml version="1.0" encoding="utf-8"?>
+<p:sld xmlns:a="http://schemas.openxmlformats.org/drawingml/2006/main" xmlns:r="http://schemas.openxmlformats.org/officeDocument/2006/relationships" xmlns:p="http://schemas.openxmlformats.org/presentationml/2006/main">
+  <p:cSld>
+    <p:spTree>
+      <p:nvGrpSpPr>
+        <p:cNvPr id="1" name=""/>
+        <p:cNvGrpSpPr/>
+        <p:nvPr/>
+      </p:nvGrpSpPr>
+      <p:grpSpPr>
+        <a:xfrm>
+          <a:off x="0" y="0"/>
+          <a:ext cx="0" cy="0"/>
+          <a:chOff x="0" y="0"/>
+          <a:chExt cx="0" cy="0"/>
+        </a:xfrm>
+      </p:grpSpPr>
+      <p:sp>
+        <p:nvSpPr>
+          <p:cNvPr id="2" name="Titolo 1"/>
+          <p:cNvSpPr>
+            <a:spLocks noGrp="1"/>
+          </p:cNvSpPr>
+          <p:nvPr>
+            <p:ph type="title"/>
+          </p:nvPr>
+        </p:nvSpPr>
+        <p:spPr>
+          <a:xfrm>
+            <a:off x="828575" y="15682"/>
+            <a:ext cx="10515600" cy="1325563"/>
+          </a:xfrm>
+        </p:spPr>
+        <p:txBody>
+          <a:bodyPr/>
+          <a:lstStyle/>
+          <a:p>
+            <a:r>
+              <a:rPr lang="it-CH" dirty="0" smtClean="0"/>
+              <a:t>Pagina di gestione utenti</a:t>
+            </a:r>
+            <a:endParaRPr lang="en-US" dirty="0"/>
+          </a:p>
+        </p:txBody>
+      </p:sp>
+      <p:pic>
+        <p:nvPicPr>
+          <p:cNvPr id="4" name="Immagine 3"/>
+          <p:cNvPicPr>
+            <a:picLocks noChangeAspect="1"/>
+          </p:cNvPicPr>
+          <p:nvPr/>
+        </p:nvPicPr>
+        <p:blipFill>
+          <a:blip r:embed="rId2"/>
+          <a:stretch>
+            <a:fillRect/>
+          </a:stretch>
+        </p:blipFill>
+        <p:spPr>
+          <a:xfrm>
+            <a:off x="456465" y="1062112"/>
+            <a:ext cx="11259820" cy="5502317"/>
+          </a:xfrm>
+          <a:prstGeom prst="rect">
+            <a:avLst/>
+          </a:prstGeom>
+        </p:spPr>
+      </p:pic>
+    </p:spTree>
+    <p:extLst>
+      <p:ext uri="{BB962C8B-B14F-4D97-AF65-F5344CB8AC3E}">
+        <p14:creationId xmlns:p14="http://schemas.microsoft.com/office/powerpoint/2010/main" val="2195974741"/>
+      </p:ext>
+    </p:extLst>
+  </p:cSld>
+  <p:clrMapOvr>
+    <a:masterClrMapping/>
+  </p:clrMapOvr>
+  <p:timing>
+    <p:tnLst>
+      <p:par>
+        <p:cTn id="1" dur="indefinite" restart="never" nodeType="tmRoot"/>
+      </p:par>
+    </p:tnLst>
+  </p:timing>
+</p:sld>
+</file>
+
+<file path=ppt/slides/slide17.xml><?xml version="1.0" encoding="utf-8"?>
+<p:sld xmlns:a="http://schemas.openxmlformats.org/drawingml/2006/main" xmlns:r="http://schemas.openxmlformats.org/officeDocument/2006/relationships" xmlns:p="http://schemas.openxmlformats.org/presentationml/2006/main">
+  <p:cSld>
+    <p:spTree>
+      <p:nvGrpSpPr>
+        <p:cNvPr id="1" name=""/>
+        <p:cNvGrpSpPr/>
+        <p:nvPr/>
+      </p:nvGrpSpPr>
+      <p:grpSpPr>
+        <a:xfrm>
+          <a:off x="0" y="0"/>
+          <a:ext cx="0" cy="0"/>
+          <a:chOff x="0" y="0"/>
+          <a:chExt cx="0" cy="0"/>
+        </a:xfrm>
+      </p:grpSpPr>
+      <p:sp>
+        <p:nvSpPr>
+          <p:cNvPr id="2" name="Titolo 1"/>
+          <p:cNvSpPr>
+            <a:spLocks noGrp="1"/>
+          </p:cNvSpPr>
+          <p:nvPr>
+            <p:ph type="title"/>
+          </p:nvPr>
+        </p:nvSpPr>
+        <p:spPr>
+          <a:xfrm>
+            <a:off x="855133" y="0"/>
+            <a:ext cx="10515600" cy="1325563"/>
+          </a:xfrm>
+        </p:spPr>
+        <p:txBody>
+          <a:bodyPr/>
+          <a:lstStyle/>
+          <a:p>
+            <a:r>
+              <a:rPr lang="it-CH" dirty="0" smtClean="0"/>
+              <a:t>Pagina di ricerca</a:t>
+            </a:r>
+            <a:endParaRPr lang="en-US" dirty="0"/>
+          </a:p>
+        </p:txBody>
+      </p:sp>
+      <p:pic>
+        <p:nvPicPr>
+          <p:cNvPr id="4" name="Immagine 3"/>
+          <p:cNvPicPr>
+            <a:picLocks noChangeAspect="1"/>
+          </p:cNvPicPr>
+          <p:nvPr/>
+        </p:nvPicPr>
+        <p:blipFill rotWithShape="1">
+          <a:blip r:embed="rId2"/>
+          <a:srcRect b="6342"/>
+          <a:stretch/>
+        </p:blipFill>
+        <p:spPr>
+          <a:xfrm>
+            <a:off x="516466" y="1053094"/>
+            <a:ext cx="11032067" cy="5618639"/>
+          </a:xfrm>
+          <a:prstGeom prst="rect">
+            <a:avLst/>
+          </a:prstGeom>
+        </p:spPr>
+      </p:pic>
+    </p:spTree>
+    <p:extLst>
+      <p:ext uri="{BB962C8B-B14F-4D97-AF65-F5344CB8AC3E}">
+        <p14:creationId xmlns:p14="http://schemas.microsoft.com/office/powerpoint/2010/main" val="1822152185"/>
+      </p:ext>
+    </p:extLst>
+  </p:cSld>
+  <p:clrMapOvr>
+    <a:masterClrMapping/>
+  </p:clrMapOvr>
+  <p:timing>
+    <p:tnLst>
+      <p:par>
+        <p:cTn id="1" dur="indefinite" restart="never" nodeType="tmRoot"/>
+      </p:par>
+    </p:tnLst>
+  </p:timing>
+</p:sld>
+</file>
+
+<file path=ppt/slides/slide18.xml><?xml version="1.0" encoding="utf-8"?>
+<p:sld xmlns:a="http://schemas.openxmlformats.org/drawingml/2006/main" xmlns:r="http://schemas.openxmlformats.org/officeDocument/2006/relationships" xmlns:p="http://schemas.openxmlformats.org/presentationml/2006/main">
+  <p:cSld>
+    <p:spTree>
+      <p:nvGrpSpPr>
+        <p:cNvPr id="1" name=""/>
+        <p:cNvGrpSpPr/>
+        <p:nvPr/>
+      </p:nvGrpSpPr>
+      <p:grpSpPr>
+        <a:xfrm>
+          <a:off x="0" y="0"/>
+          <a:ext cx="0" cy="0"/>
+          <a:chOff x="0" y="0"/>
+          <a:chExt cx="0" cy="0"/>
+        </a:xfrm>
+      </p:grpSpPr>
+      <p:sp>
+        <p:nvSpPr>
+          <p:cNvPr id="2" name="Titolo 1"/>
+          <p:cNvSpPr>
+            <a:spLocks noGrp="1"/>
+          </p:cNvSpPr>
+          <p:nvPr>
+            <p:ph type="title"/>
+          </p:nvPr>
+        </p:nvSpPr>
+        <p:spPr/>
+        <p:txBody>
+          <a:bodyPr/>
+          <a:lstStyle/>
+          <a:p>
+            <a:r>
+              <a:rPr lang="it-CH" dirty="0" smtClean="0"/>
+              <a:t>Filtri di ricerca</a:t>
+            </a:r>
+            <a:endParaRPr lang="en-US" dirty="0"/>
+          </a:p>
+        </p:txBody>
+      </p:sp>
+      <p:pic>
+        <p:nvPicPr>
+          <p:cNvPr id="4" name="Immagine 3"/>
+          <p:cNvPicPr>
+            <a:picLocks noChangeAspect="1"/>
+          </p:cNvPicPr>
+          <p:nvPr/>
+        </p:nvPicPr>
+        <p:blipFill>
+          <a:blip r:embed="rId2"/>
+          <a:stretch>
+            <a:fillRect/>
+          </a:stretch>
+        </p:blipFill>
+        <p:spPr>
+          <a:xfrm>
+            <a:off x="302056" y="1690688"/>
+            <a:ext cx="11292376" cy="4914599"/>
+          </a:xfrm>
+          <a:prstGeom prst="rect">
+            <a:avLst/>
+          </a:prstGeom>
+        </p:spPr>
+      </p:pic>
+    </p:spTree>
+    <p:extLst>
+      <p:ext uri="{BB962C8B-B14F-4D97-AF65-F5344CB8AC3E}">
+        <p14:creationId xmlns:p14="http://schemas.microsoft.com/office/powerpoint/2010/main" val="2425190892"/>
+      </p:ext>
+    </p:extLst>
+  </p:cSld>
+  <p:clrMapOvr>
+    <a:masterClrMapping/>
+  </p:clrMapOvr>
+  <p:timing>
+    <p:tnLst>
+      <p:par>
+        <p:cTn id="1" dur="indefinite" restart="never" nodeType="tmRoot"/>
+      </p:par>
+    </p:tnLst>
+  </p:timing>
+</p:sld>
+</file>
+
+<file path=ppt/slides/slide19.xml><?xml version="1.0" encoding="utf-8"?>
+<p:sld xmlns:a="http://schemas.openxmlformats.org/drawingml/2006/main" xmlns:r="http://schemas.openxmlformats.org/officeDocument/2006/relationships" xmlns:p="http://schemas.openxmlformats.org/presentationml/2006/main">
+  <p:cSld>
+    <p:spTree>
+      <p:nvGrpSpPr>
+        <p:cNvPr id="1" name=""/>
+        <p:cNvGrpSpPr/>
+        <p:nvPr/>
+      </p:nvGrpSpPr>
+      <p:grpSpPr>
+        <a:xfrm>
+          <a:off x="0" y="0"/>
+          <a:ext cx="0" cy="0"/>
+          <a:chOff x="0" y="0"/>
+          <a:chExt cx="0" cy="0"/>
+        </a:xfrm>
+      </p:grpSpPr>
+      <p:sp>
+        <p:nvSpPr>
+          <p:cNvPr id="2" name="Titolo 1"/>
+          <p:cNvSpPr>
+            <a:spLocks noGrp="1"/>
+          </p:cNvSpPr>
+          <p:nvPr>
+            <p:ph type="title"/>
+          </p:nvPr>
+        </p:nvSpPr>
+        <p:spPr/>
+        <p:txBody>
+          <a:bodyPr/>
+          <a:lstStyle/>
+          <a:p>
+            <a:r>
+              <a:rPr lang="it-CH" dirty="0" smtClean="0"/>
+              <a:t>Caso di documentazione</a:t>
+            </a:r>
+            <a:endParaRPr lang="en-US" dirty="0"/>
+          </a:p>
+        </p:txBody>
+      </p:sp>
+      <p:pic>
+        <p:nvPicPr>
+          <p:cNvPr id="5" name="Immagine 4"/>
+          <p:cNvPicPr>
+            <a:picLocks noChangeAspect="1"/>
+          </p:cNvPicPr>
+          <p:nvPr/>
+        </p:nvPicPr>
+        <p:blipFill>
+          <a:blip r:embed="rId2"/>
+          <a:stretch>
+            <a:fillRect/>
+          </a:stretch>
+        </p:blipFill>
+        <p:spPr>
+          <a:xfrm>
+            <a:off x="182753" y="1792288"/>
+            <a:ext cx="11826493" cy="4583112"/>
+          </a:xfrm>
+          <a:prstGeom prst="rect">
+            <a:avLst/>
+          </a:prstGeom>
+        </p:spPr>
+      </p:pic>
+    </p:spTree>
+    <p:extLst>
+      <p:ext uri="{BB962C8B-B14F-4D97-AF65-F5344CB8AC3E}">
+        <p14:creationId xmlns:p14="http://schemas.microsoft.com/office/powerpoint/2010/main" val="2768753022"/>
       </p:ext>
     </p:extLst>
   </p:cSld>
@@ -3621,11 +3998,7 @@
             </a:r>
             <a:r>
               <a:rPr lang="it-CH" dirty="0" smtClean="0"/>
-              <a:t>ryan.beffa</a:t>
-            </a:r>
-            <a:r>
-              <a:rPr lang="it-CH" dirty="0" smtClean="0"/>
-              <a:t>@samtrevano.ch</a:t>
+              <a:t>ryan.beffa@samtrevano.ch</a:t>
             </a:r>
             <a:endParaRPr lang="en-US" dirty="0"/>
           </a:p>
@@ -3635,6 +4008,208 @@
     <p:extLst>
       <p:ext uri="{BB962C8B-B14F-4D97-AF65-F5344CB8AC3E}">
         <p14:creationId xmlns:p14="http://schemas.microsoft.com/office/powerpoint/2010/main" val="2822123329"/>
+      </p:ext>
+    </p:extLst>
+  </p:cSld>
+  <p:clrMapOvr>
+    <a:masterClrMapping/>
+  </p:clrMapOvr>
+  <p:timing>
+    <p:tnLst>
+      <p:par>
+        <p:cTn id="1" dur="indefinite" restart="never" nodeType="tmRoot"/>
+      </p:par>
+    </p:tnLst>
+  </p:timing>
+</p:sld>
+</file>
+
+<file path=ppt/slides/slide20.xml><?xml version="1.0" encoding="utf-8"?>
+<p:sld xmlns:a="http://schemas.openxmlformats.org/drawingml/2006/main" xmlns:r="http://schemas.openxmlformats.org/officeDocument/2006/relationships" xmlns:p="http://schemas.openxmlformats.org/presentationml/2006/main">
+  <p:cSld>
+    <p:spTree>
+      <p:nvGrpSpPr>
+        <p:cNvPr id="1" name=""/>
+        <p:cNvGrpSpPr/>
+        <p:nvPr/>
+      </p:nvGrpSpPr>
+      <p:grpSpPr>
+        <a:xfrm>
+          <a:off x="0" y="0"/>
+          <a:ext cx="0" cy="0"/>
+          <a:chOff x="0" y="0"/>
+          <a:chExt cx="0" cy="0"/>
+        </a:xfrm>
+      </p:grpSpPr>
+      <p:sp>
+        <p:nvSpPr>
+          <p:cNvPr id="2" name="Titolo 1"/>
+          <p:cNvSpPr>
+            <a:spLocks noGrp="1"/>
+          </p:cNvSpPr>
+          <p:nvPr>
+            <p:ph type="title"/>
+          </p:nvPr>
+        </p:nvSpPr>
+        <p:spPr/>
+        <p:txBody>
+          <a:bodyPr/>
+          <a:lstStyle/>
+          <a:p>
+            <a:r>
+              <a:rPr lang="it-CH" dirty="0" smtClean="0"/>
+              <a:t>Sviluppi futuri</a:t>
+            </a:r>
+            <a:endParaRPr lang="en-US" dirty="0"/>
+          </a:p>
+        </p:txBody>
+      </p:sp>
+      <p:sp>
+        <p:nvSpPr>
+          <p:cNvPr id="3" name="Segnaposto contenuto 2"/>
+          <p:cNvSpPr>
+            <a:spLocks noGrp="1"/>
+          </p:cNvSpPr>
+          <p:nvPr>
+            <p:ph idx="1"/>
+          </p:nvPr>
+        </p:nvSpPr>
+        <p:spPr/>
+        <p:txBody>
+          <a:bodyPr/>
+          <a:lstStyle/>
+          <a:p>
+            <a:r>
+              <a:rPr lang="it-CH" dirty="0" smtClean="0"/>
+              <a:t>Sistema di cambio </a:t>
+            </a:r>
+            <a:r>
+              <a:rPr lang="it-CH" dirty="0" smtClean="0"/>
+              <a:t>password tramite email</a:t>
+            </a:r>
+            <a:endParaRPr lang="it-CH" dirty="0" smtClean="0"/>
+          </a:p>
+          <a:p>
+            <a:r>
+              <a:rPr lang="it-CH" dirty="0" smtClean="0"/>
+              <a:t>Sistema cambio informazioni personali indipendente</a:t>
+            </a:r>
+          </a:p>
+          <a:p>
+            <a:r>
+              <a:rPr lang="it-CH" dirty="0"/>
+              <a:t>Layout riassuntivo dei casi di documentazione </a:t>
+            </a:r>
+            <a:r>
+              <a:rPr lang="it-CH" dirty="0" smtClean="0"/>
+              <a:t>tecnica</a:t>
+            </a:r>
+          </a:p>
+          <a:p>
+            <a:r>
+              <a:rPr lang="it-CH" dirty="0" smtClean="0"/>
+              <a:t>Migliorare layout dei casi</a:t>
+            </a:r>
+            <a:endParaRPr lang="it-CH" dirty="0"/>
+          </a:p>
+          <a:p>
+            <a:pPr marL="0" indent="0">
+              <a:buNone/>
+            </a:pPr>
+            <a:endParaRPr lang="it-CH" dirty="0" smtClean="0"/>
+          </a:p>
+          <a:p>
+            <a:endParaRPr lang="it-CH" dirty="0" smtClean="0"/>
+          </a:p>
+        </p:txBody>
+      </p:sp>
+    </p:spTree>
+    <p:extLst>
+      <p:ext uri="{BB962C8B-B14F-4D97-AF65-F5344CB8AC3E}">
+        <p14:creationId xmlns:p14="http://schemas.microsoft.com/office/powerpoint/2010/main" val="3479922865"/>
+      </p:ext>
+    </p:extLst>
+  </p:cSld>
+  <p:clrMapOvr>
+    <a:masterClrMapping/>
+  </p:clrMapOvr>
+  <p:timing>
+    <p:tnLst>
+      <p:par>
+        <p:cTn id="1" dur="indefinite" restart="never" nodeType="tmRoot"/>
+      </p:par>
+    </p:tnLst>
+  </p:timing>
+</p:sld>
+</file>
+
+<file path=ppt/slides/slide21.xml><?xml version="1.0" encoding="utf-8"?>
+<p:sld xmlns:a="http://schemas.openxmlformats.org/drawingml/2006/main" xmlns:r="http://schemas.openxmlformats.org/officeDocument/2006/relationships" xmlns:p="http://schemas.openxmlformats.org/presentationml/2006/main">
+  <p:cSld>
+    <p:spTree>
+      <p:nvGrpSpPr>
+        <p:cNvPr id="1" name=""/>
+        <p:cNvGrpSpPr/>
+        <p:nvPr/>
+      </p:nvGrpSpPr>
+      <p:grpSpPr>
+        <a:xfrm>
+          <a:off x="0" y="0"/>
+          <a:ext cx="0" cy="0"/>
+          <a:chOff x="0" y="0"/>
+          <a:chExt cx="0" cy="0"/>
+        </a:xfrm>
+      </p:grpSpPr>
+      <p:sp>
+        <p:nvSpPr>
+          <p:cNvPr id="2" name="Titolo 1"/>
+          <p:cNvSpPr>
+            <a:spLocks noGrp="1"/>
+          </p:cNvSpPr>
+          <p:nvPr>
+            <p:ph type="title"/>
+          </p:nvPr>
+        </p:nvSpPr>
+        <p:spPr/>
+        <p:txBody>
+          <a:bodyPr/>
+          <a:lstStyle/>
+          <a:p>
+            <a:r>
+              <a:rPr lang="it-CH" dirty="0" smtClean="0"/>
+              <a:t>Fine</a:t>
+            </a:r>
+            <a:endParaRPr lang="en-US" dirty="0"/>
+          </a:p>
+        </p:txBody>
+      </p:sp>
+      <p:sp>
+        <p:nvSpPr>
+          <p:cNvPr id="3" name="Segnaposto contenuto 2"/>
+          <p:cNvSpPr>
+            <a:spLocks noGrp="1"/>
+          </p:cNvSpPr>
+          <p:nvPr>
+            <p:ph idx="1"/>
+          </p:nvPr>
+        </p:nvSpPr>
+        <p:spPr/>
+        <p:txBody>
+          <a:bodyPr/>
+          <a:lstStyle/>
+          <a:p>
+            <a:r>
+              <a:rPr lang="it-CH" dirty="0" smtClean="0"/>
+              <a:t>Grazie per la vostra attenzione</a:t>
+            </a:r>
+            <a:endParaRPr lang="en-US" dirty="0"/>
+          </a:p>
+        </p:txBody>
+      </p:sp>
+    </p:spTree>
+    <p:extLst>
+      <p:ext uri="{BB962C8B-B14F-4D97-AF65-F5344CB8AC3E}">
+        <p14:creationId xmlns:p14="http://schemas.microsoft.com/office/powerpoint/2010/main" val="525145670"/>
       </p:ext>
     </p:extLst>
   </p:cSld>

--- a/Presentation/Knowledge Base.pptx
+++ b/Presentation/Knowledge Base.pptx
@@ -8,24 +8,25 @@
     <p:sldId id="256" r:id="rId2"/>
     <p:sldId id="257" r:id="rId3"/>
     <p:sldId id="258" r:id="rId4"/>
-    <p:sldId id="259" r:id="rId5"/>
-    <p:sldId id="263" r:id="rId6"/>
-    <p:sldId id="265" r:id="rId7"/>
-    <p:sldId id="269" r:id="rId8"/>
-    <p:sldId id="264" r:id="rId9"/>
-    <p:sldId id="266" r:id="rId10"/>
-    <p:sldId id="270" r:id="rId11"/>
-    <p:sldId id="267" r:id="rId12"/>
-    <p:sldId id="268" r:id="rId13"/>
-    <p:sldId id="271" r:id="rId14"/>
-    <p:sldId id="272" r:id="rId15"/>
-    <p:sldId id="273" r:id="rId16"/>
-    <p:sldId id="274" r:id="rId17"/>
-    <p:sldId id="275" r:id="rId18"/>
-    <p:sldId id="276" r:id="rId19"/>
-    <p:sldId id="277" r:id="rId20"/>
-    <p:sldId id="261" r:id="rId21"/>
-    <p:sldId id="260" r:id="rId22"/>
+    <p:sldId id="278" r:id="rId5"/>
+    <p:sldId id="259" r:id="rId6"/>
+    <p:sldId id="263" r:id="rId7"/>
+    <p:sldId id="265" r:id="rId8"/>
+    <p:sldId id="269" r:id="rId9"/>
+    <p:sldId id="264" r:id="rId10"/>
+    <p:sldId id="266" r:id="rId11"/>
+    <p:sldId id="270" r:id="rId12"/>
+    <p:sldId id="267" r:id="rId13"/>
+    <p:sldId id="268" r:id="rId14"/>
+    <p:sldId id="271" r:id="rId15"/>
+    <p:sldId id="272" r:id="rId16"/>
+    <p:sldId id="273" r:id="rId17"/>
+    <p:sldId id="274" r:id="rId18"/>
+    <p:sldId id="275" r:id="rId19"/>
+    <p:sldId id="276" r:id="rId20"/>
+    <p:sldId id="277" r:id="rId21"/>
+    <p:sldId id="261" r:id="rId22"/>
+    <p:sldId id="260" r:id="rId23"/>
   </p:sldIdLst>
   <p:sldSz cx="12192000" cy="6858000"/>
   <p:notesSz cx="6858000" cy="9144000"/>
@@ -3082,6 +3083,66 @@
         </p:nvPicPr>
         <p:blipFill rotWithShape="1">
           <a:blip r:embed="rId2"/>
+          <a:srcRect b="13647"/>
+          <a:stretch/>
+        </p:blipFill>
+        <p:spPr>
+          <a:xfrm>
+            <a:off x="132949" y="134354"/>
+            <a:ext cx="11987750" cy="6516703"/>
+          </a:xfrm>
+          <a:prstGeom prst="rect">
+            <a:avLst/>
+          </a:prstGeom>
+        </p:spPr>
+      </p:pic>
+    </p:spTree>
+    <p:extLst>
+      <p:ext uri="{BB962C8B-B14F-4D97-AF65-F5344CB8AC3E}">
+        <p14:creationId xmlns:p14="http://schemas.microsoft.com/office/powerpoint/2010/main" val="3323897485"/>
+      </p:ext>
+    </p:extLst>
+  </p:cSld>
+  <p:clrMapOvr>
+    <a:masterClrMapping/>
+  </p:clrMapOvr>
+  <p:timing>
+    <p:tnLst>
+      <p:par>
+        <p:cTn id="1" dur="indefinite" restart="never" nodeType="tmRoot"/>
+      </p:par>
+    </p:tnLst>
+  </p:timing>
+</p:sld>
+</file>
+
+<file path=ppt/slides/slide11.xml><?xml version="1.0" encoding="utf-8"?>
+<p:sld xmlns:a="http://schemas.openxmlformats.org/drawingml/2006/main" xmlns:r="http://schemas.openxmlformats.org/officeDocument/2006/relationships" xmlns:p="http://schemas.openxmlformats.org/presentationml/2006/main">
+  <p:cSld>
+    <p:spTree>
+      <p:nvGrpSpPr>
+        <p:cNvPr id="1" name=""/>
+        <p:cNvGrpSpPr/>
+        <p:nvPr/>
+      </p:nvGrpSpPr>
+      <p:grpSpPr>
+        <a:xfrm>
+          <a:off x="0" y="0"/>
+          <a:ext cx="0" cy="0"/>
+          <a:chOff x="0" y="0"/>
+          <a:chExt cx="0" cy="0"/>
+        </a:xfrm>
+      </p:grpSpPr>
+      <p:pic>
+        <p:nvPicPr>
+          <p:cNvPr id="4" name="Immagine 3"/>
+          <p:cNvPicPr>
+            <a:picLocks noChangeAspect="1"/>
+          </p:cNvPicPr>
+          <p:nvPr/>
+        </p:nvPicPr>
+        <p:blipFill rotWithShape="1">
+          <a:blip r:embed="rId2"/>
           <a:srcRect t="85966"/>
           <a:stretch/>
         </p:blipFill>
@@ -3139,7 +3200,7 @@
 </p:sld>
 </file>
 
-<file path=ppt/slides/slide11.xml><?xml version="1.0" encoding="utf-8"?>
+<file path=ppt/slides/slide12.xml><?xml version="1.0" encoding="utf-8"?>
 <p:sld xmlns:a="http://schemas.openxmlformats.org/drawingml/2006/main" xmlns:r="http://schemas.openxmlformats.org/officeDocument/2006/relationships" xmlns:p="http://schemas.openxmlformats.org/presentationml/2006/main">
   <p:cSld>
     <p:spTree>
@@ -3229,7 +3290,7 @@
 </p:sld>
 </file>
 
-<file path=ppt/slides/slide12.xml><?xml version="1.0" encoding="utf-8"?>
+<file path=ppt/slides/slide13.xml><?xml version="1.0" encoding="utf-8"?>
 <p:sld xmlns:a="http://schemas.openxmlformats.org/drawingml/2006/main" xmlns:r="http://schemas.openxmlformats.org/officeDocument/2006/relationships" xmlns:p="http://schemas.openxmlformats.org/presentationml/2006/main">
   <p:cSld>
     <p:spTree>
@@ -3296,7 +3357,7 @@
 </p:sld>
 </file>
 
-<file path=ppt/slides/slide13.xml><?xml version="1.0" encoding="utf-8"?>
+<file path=ppt/slides/slide14.xml><?xml version="1.0" encoding="utf-8"?>
 <p:sld xmlns:a="http://schemas.openxmlformats.org/drawingml/2006/main" xmlns:r="http://schemas.openxmlformats.org/officeDocument/2006/relationships" xmlns:p="http://schemas.openxmlformats.org/presentationml/2006/main">
   <p:cSld>
     <p:spTree>
@@ -3396,7 +3457,7 @@
 </p:sld>
 </file>
 
-<file path=ppt/slides/slide14.xml><?xml version="1.0" encoding="utf-8"?>
+<file path=ppt/slides/slide15.xml><?xml version="1.0" encoding="utf-8"?>
 <p:sld xmlns:a="http://schemas.openxmlformats.org/drawingml/2006/main" xmlns:r="http://schemas.openxmlformats.org/officeDocument/2006/relationships" xmlns:p="http://schemas.openxmlformats.org/presentationml/2006/main">
   <p:cSld>
     <p:spTree>
@@ -3523,7 +3584,7 @@
 </p:sld>
 </file>
 
-<file path=ppt/slides/slide15.xml><?xml version="1.0" encoding="utf-8"?>
+<file path=ppt/slides/slide16.xml><?xml version="1.0" encoding="utf-8"?>
 <p:sld xmlns:a="http://schemas.openxmlformats.org/drawingml/2006/main" xmlns:r="http://schemas.openxmlformats.org/officeDocument/2006/relationships" xmlns:p="http://schemas.openxmlformats.org/presentationml/2006/main">
   <p:cSld>
     <p:spTree>
@@ -3584,7 +3645,7 @@
 </p:sld>
 </file>
 
-<file path=ppt/slides/slide16.xml><?xml version="1.0" encoding="utf-8"?>
+<file path=ppt/slides/slide17.xml><?xml version="1.0" encoding="utf-8"?>
 <p:sld xmlns:a="http://schemas.openxmlformats.org/drawingml/2006/main" xmlns:r="http://schemas.openxmlformats.org/officeDocument/2006/relationships" xmlns:p="http://schemas.openxmlformats.org/presentationml/2006/main">
   <p:cSld>
     <p:spTree>
@@ -3673,7 +3734,7 @@
 </p:sld>
 </file>
 
-<file path=ppt/slides/slide17.xml><?xml version="1.0" encoding="utf-8"?>
+<file path=ppt/slides/slide18.xml><?xml version="1.0" encoding="utf-8"?>
 <p:sld xmlns:a="http://schemas.openxmlformats.org/drawingml/2006/main" xmlns:r="http://schemas.openxmlformats.org/officeDocument/2006/relationships" xmlns:p="http://schemas.openxmlformats.org/presentationml/2006/main">
   <p:cSld>
     <p:spTree>
@@ -3761,7 +3822,7 @@
 </p:sld>
 </file>
 
-<file path=ppt/slides/slide18.xml><?xml version="1.0" encoding="utf-8"?>
+<file path=ppt/slides/slide19.xml><?xml version="1.0" encoding="utf-8"?>
 <p:sld xmlns:a="http://schemas.openxmlformats.org/drawingml/2006/main" xmlns:r="http://schemas.openxmlformats.org/officeDocument/2006/relationships" xmlns:p="http://schemas.openxmlformats.org/presentationml/2006/main">
   <p:cSld>
     <p:spTree>
@@ -3845,7 +3906,102 @@
 </p:sld>
 </file>
 
-<file path=ppt/slides/slide19.xml><?xml version="1.0" encoding="utf-8"?>
+<file path=ppt/slides/slide2.xml><?xml version="1.0" encoding="utf-8"?>
+<p:sld xmlns:a="http://schemas.openxmlformats.org/drawingml/2006/main" xmlns:r="http://schemas.openxmlformats.org/officeDocument/2006/relationships" xmlns:p="http://schemas.openxmlformats.org/presentationml/2006/main">
+  <p:cSld>
+    <p:spTree>
+      <p:nvGrpSpPr>
+        <p:cNvPr id="1" name=""/>
+        <p:cNvGrpSpPr/>
+        <p:nvPr/>
+      </p:nvGrpSpPr>
+      <p:grpSpPr>
+        <a:xfrm>
+          <a:off x="0" y="0"/>
+          <a:ext cx="0" cy="0"/>
+          <a:chOff x="0" y="0"/>
+          <a:chExt cx="0" cy="0"/>
+        </a:xfrm>
+      </p:grpSpPr>
+      <p:sp>
+        <p:nvSpPr>
+          <p:cNvPr id="2" name="Titolo 1"/>
+          <p:cNvSpPr>
+            <a:spLocks noGrp="1"/>
+          </p:cNvSpPr>
+          <p:nvPr>
+            <p:ph type="title"/>
+          </p:nvPr>
+        </p:nvSpPr>
+        <p:spPr/>
+        <p:txBody>
+          <a:bodyPr/>
+          <a:lstStyle/>
+          <a:p>
+            <a:r>
+              <a:rPr lang="it-CH" dirty="0" smtClean="0"/>
+              <a:t>Su di me</a:t>
+            </a:r>
+            <a:endParaRPr lang="en-US" dirty="0"/>
+          </a:p>
+        </p:txBody>
+      </p:sp>
+      <p:sp>
+        <p:nvSpPr>
+          <p:cNvPr id="3" name="Segnaposto contenuto 2"/>
+          <p:cNvSpPr>
+            <a:spLocks noGrp="1"/>
+          </p:cNvSpPr>
+          <p:nvPr>
+            <p:ph idx="1"/>
+          </p:nvPr>
+        </p:nvSpPr>
+        <p:spPr/>
+        <p:txBody>
+          <a:bodyPr/>
+          <a:lstStyle/>
+          <a:p>
+            <a:pPr lvl="1"/>
+            <a:r>
+              <a:rPr lang="it-CH" dirty="0" smtClean="0"/>
+              <a:t>Bryan Beffa</a:t>
+            </a:r>
+          </a:p>
+          <a:p>
+            <a:pPr lvl="2"/>
+            <a:r>
+              <a:rPr lang="it-CH" dirty="0"/>
+              <a:t>b</a:t>
+            </a:r>
+            <a:r>
+              <a:rPr lang="it-CH" dirty="0" smtClean="0"/>
+              <a:t>ryan.beffa@samtrevano.ch</a:t>
+            </a:r>
+            <a:endParaRPr lang="en-US" dirty="0"/>
+          </a:p>
+        </p:txBody>
+      </p:sp>
+    </p:spTree>
+    <p:extLst>
+      <p:ext uri="{BB962C8B-B14F-4D97-AF65-F5344CB8AC3E}">
+        <p14:creationId xmlns:p14="http://schemas.microsoft.com/office/powerpoint/2010/main" val="2822123329"/>
+      </p:ext>
+    </p:extLst>
+  </p:cSld>
+  <p:clrMapOvr>
+    <a:masterClrMapping/>
+  </p:clrMapOvr>
+  <p:timing>
+    <p:tnLst>
+      <p:par>
+        <p:cTn id="1" dur="indefinite" restart="never" nodeType="tmRoot"/>
+      </p:par>
+    </p:tnLst>
+  </p:timing>
+</p:sld>
+</file>
+
+<file path=ppt/slides/slide20.xml><?xml version="1.0" encoding="utf-8"?>
 <p:sld xmlns:a="http://schemas.openxmlformats.org/drawingml/2006/main" xmlns:r="http://schemas.openxmlformats.org/officeDocument/2006/relationships" xmlns:p="http://schemas.openxmlformats.org/presentationml/2006/main">
   <p:cSld>
     <p:spTree>
@@ -3929,7 +4085,7 @@
 </p:sld>
 </file>
 
-<file path=ppt/slides/slide2.xml><?xml version="1.0" encoding="utf-8"?>
+<file path=ppt/slides/slide21.xml><?xml version="1.0" encoding="utf-8"?>
 <p:sld xmlns:a="http://schemas.openxmlformats.org/drawingml/2006/main" xmlns:r="http://schemas.openxmlformats.org/officeDocument/2006/relationships" xmlns:p="http://schemas.openxmlformats.org/presentationml/2006/main">
   <p:cSld>
     <p:spTree>
@@ -3963,7 +4119,7 @@
           <a:p>
             <a:r>
               <a:rPr lang="it-CH" dirty="0" smtClean="0"/>
-              <a:t>Su di me</a:t>
+              <a:t>Sviluppi futuri</a:t>
             </a:r>
             <a:endParaRPr lang="en-US" dirty="0"/>
           </a:p>
@@ -3984,110 +4140,10 @@
           <a:bodyPr/>
           <a:lstStyle/>
           <a:p>
-            <a:pPr lvl="1"/>
-            <a:r>
-              <a:rPr lang="it-CH" dirty="0" smtClean="0"/>
-              <a:t>Bryan Beffa</a:t>
-            </a:r>
-          </a:p>
-          <a:p>
-            <a:pPr lvl="2"/>
-            <a:r>
-              <a:rPr lang="it-CH" dirty="0"/>
-              <a:t>b</a:t>
-            </a:r>
-            <a:r>
-              <a:rPr lang="it-CH" dirty="0" smtClean="0"/>
-              <a:t>ryan.beffa@samtrevano.ch</a:t>
-            </a:r>
-            <a:endParaRPr lang="en-US" dirty="0"/>
-          </a:p>
-        </p:txBody>
-      </p:sp>
-    </p:spTree>
-    <p:extLst>
-      <p:ext uri="{BB962C8B-B14F-4D97-AF65-F5344CB8AC3E}">
-        <p14:creationId xmlns:p14="http://schemas.microsoft.com/office/powerpoint/2010/main" val="2822123329"/>
-      </p:ext>
-    </p:extLst>
-  </p:cSld>
-  <p:clrMapOvr>
-    <a:masterClrMapping/>
-  </p:clrMapOvr>
-  <p:timing>
-    <p:tnLst>
-      <p:par>
-        <p:cTn id="1" dur="indefinite" restart="never" nodeType="tmRoot"/>
-      </p:par>
-    </p:tnLst>
-  </p:timing>
-</p:sld>
-</file>
-
-<file path=ppt/slides/slide20.xml><?xml version="1.0" encoding="utf-8"?>
-<p:sld xmlns:a="http://schemas.openxmlformats.org/drawingml/2006/main" xmlns:r="http://schemas.openxmlformats.org/officeDocument/2006/relationships" xmlns:p="http://schemas.openxmlformats.org/presentationml/2006/main">
-  <p:cSld>
-    <p:spTree>
-      <p:nvGrpSpPr>
-        <p:cNvPr id="1" name=""/>
-        <p:cNvGrpSpPr/>
-        <p:nvPr/>
-      </p:nvGrpSpPr>
-      <p:grpSpPr>
-        <a:xfrm>
-          <a:off x="0" y="0"/>
-          <a:ext cx="0" cy="0"/>
-          <a:chOff x="0" y="0"/>
-          <a:chExt cx="0" cy="0"/>
-        </a:xfrm>
-      </p:grpSpPr>
-      <p:sp>
-        <p:nvSpPr>
-          <p:cNvPr id="2" name="Titolo 1"/>
-          <p:cNvSpPr>
-            <a:spLocks noGrp="1"/>
-          </p:cNvSpPr>
-          <p:nvPr>
-            <p:ph type="title"/>
-          </p:nvPr>
-        </p:nvSpPr>
-        <p:spPr/>
-        <p:txBody>
-          <a:bodyPr/>
-          <a:lstStyle/>
-          <a:p>
-            <a:r>
-              <a:rPr lang="it-CH" dirty="0" smtClean="0"/>
-              <a:t>Sviluppi futuri</a:t>
-            </a:r>
-            <a:endParaRPr lang="en-US" dirty="0"/>
-          </a:p>
-        </p:txBody>
-      </p:sp>
-      <p:sp>
-        <p:nvSpPr>
-          <p:cNvPr id="3" name="Segnaposto contenuto 2"/>
-          <p:cNvSpPr>
-            <a:spLocks noGrp="1"/>
-          </p:cNvSpPr>
-          <p:nvPr>
-            <p:ph idx="1"/>
-          </p:nvPr>
-        </p:nvSpPr>
-        <p:spPr/>
-        <p:txBody>
-          <a:bodyPr/>
-          <a:lstStyle/>
-          <a:p>
-            <a:r>
-              <a:rPr lang="it-CH" dirty="0" smtClean="0"/>
-              <a:t>Sistema di cambio </a:t>
-            </a:r>
-            <a:r>
-              <a:rPr lang="it-CH" dirty="0" smtClean="0"/>
-              <a:t>password tramite email</a:t>
-            </a:r>
-            <a:endParaRPr lang="it-CH" dirty="0" smtClean="0"/>
+            <a:r>
+              <a:rPr lang="it-CH" dirty="0" smtClean="0"/>
+              <a:t>Sistema di cambio password tramite email</a:t>
+            </a:r>
           </a:p>
           <a:p>
             <a:r>
@@ -4143,7 +4199,7 @@
 </p:sld>
 </file>
 
-<file path=ppt/slides/slide21.xml><?xml version="1.0" encoding="utf-8"?>
+<file path=ppt/slides/slide22.xml><?xml version="1.0" encoding="utf-8"?>
 <p:sld xmlns:a="http://schemas.openxmlformats.org/drawingml/2006/main" xmlns:r="http://schemas.openxmlformats.org/officeDocument/2006/relationships" xmlns:p="http://schemas.openxmlformats.org/presentationml/2006/main">
   <p:cSld>
     <p:spTree>
@@ -4283,7 +4339,29 @@
           <a:p>
             <a:r>
               <a:rPr lang="it-CH" dirty="0" smtClean="0"/>
-              <a:t>Sistema di archiviazione di casi di documentazione tecnica</a:t>
+              <a:t>Sistema di archiviazione di casi di documentazione </a:t>
+            </a:r>
+            <a:r>
+              <a:rPr lang="it-CH" dirty="0" smtClean="0"/>
+              <a:t>tecnica</a:t>
+            </a:r>
+          </a:p>
+          <a:p>
+            <a:r>
+              <a:rPr lang="it-CH" dirty="0" smtClean="0"/>
+              <a:t>Ricerca dei casi</a:t>
+            </a:r>
+          </a:p>
+          <a:p>
+            <a:r>
+              <a:rPr lang="it-CH" dirty="0" smtClean="0"/>
+              <a:t>Gestione utenti</a:t>
+            </a:r>
+          </a:p>
+          <a:p>
+            <a:r>
+              <a:rPr lang="it-CH" dirty="0" smtClean="0"/>
+              <a:t>Gestione casi</a:t>
             </a:r>
             <a:endParaRPr lang="en-US" dirty="0"/>
           </a:p>
@@ -4343,6 +4421,119 @@
           <a:p>
             <a:r>
               <a:rPr lang="it-CH" dirty="0" smtClean="0"/>
+              <a:t>Casi di documentazione tecnica</a:t>
+            </a:r>
+            <a:endParaRPr lang="en-US" dirty="0"/>
+          </a:p>
+        </p:txBody>
+      </p:sp>
+      <p:sp>
+        <p:nvSpPr>
+          <p:cNvPr id="3" name="Segnaposto contenuto 2"/>
+          <p:cNvSpPr>
+            <a:spLocks noGrp="1"/>
+          </p:cNvSpPr>
+          <p:nvPr>
+            <p:ph idx="1"/>
+          </p:nvPr>
+        </p:nvSpPr>
+        <p:spPr/>
+        <p:txBody>
+          <a:bodyPr/>
+          <a:lstStyle/>
+          <a:p>
+            <a:r>
+              <a:rPr lang="it-CH" dirty="0" smtClean="0"/>
+              <a:t>Titolo</a:t>
+            </a:r>
+          </a:p>
+          <a:p>
+            <a:r>
+              <a:rPr lang="it-CH" smtClean="0"/>
+              <a:t>Numero identificativo</a:t>
+            </a:r>
+            <a:endParaRPr lang="it-CH" dirty="0" smtClean="0"/>
+          </a:p>
+          <a:p>
+            <a:r>
+              <a:rPr lang="it-CH" dirty="0" smtClean="0"/>
+              <a:t>Variante</a:t>
+            </a:r>
+          </a:p>
+          <a:p>
+            <a:r>
+              <a:rPr lang="it-CH" dirty="0" smtClean="0"/>
+              <a:t>Categoria d’appartenenza</a:t>
+            </a:r>
+          </a:p>
+          <a:p>
+            <a:r>
+              <a:rPr lang="it-CH" dirty="0" smtClean="0"/>
+              <a:t>Data creazione</a:t>
+            </a:r>
+          </a:p>
+          <a:p>
+            <a:r>
+              <a:rPr lang="it-CH" dirty="0" smtClean="0"/>
+              <a:t>Numero di ripresentazioni</a:t>
+            </a:r>
+          </a:p>
+          <a:p>
+            <a:r>
+              <a:rPr lang="it-CH" dirty="0" smtClean="0"/>
+              <a:t>Descrizione</a:t>
+            </a:r>
+            <a:endParaRPr lang="en-US" dirty="0"/>
+          </a:p>
+        </p:txBody>
+      </p:sp>
+    </p:spTree>
+    <p:extLst>
+      <p:ext uri="{BB962C8B-B14F-4D97-AF65-F5344CB8AC3E}">
+        <p14:creationId xmlns:p14="http://schemas.microsoft.com/office/powerpoint/2010/main" val="608039746"/>
+      </p:ext>
+    </p:extLst>
+  </p:cSld>
+  <p:clrMapOvr>
+    <a:masterClrMapping/>
+  </p:clrMapOvr>
+</p:sld>
+</file>
+
+<file path=ppt/slides/slide5.xml><?xml version="1.0" encoding="utf-8"?>
+<p:sld xmlns:a="http://schemas.openxmlformats.org/drawingml/2006/main" xmlns:r="http://schemas.openxmlformats.org/officeDocument/2006/relationships" xmlns:p="http://schemas.openxmlformats.org/presentationml/2006/main">
+  <p:cSld>
+    <p:spTree>
+      <p:nvGrpSpPr>
+        <p:cNvPr id="1" name=""/>
+        <p:cNvGrpSpPr/>
+        <p:nvPr/>
+      </p:nvGrpSpPr>
+      <p:grpSpPr>
+        <a:xfrm>
+          <a:off x="0" y="0"/>
+          <a:ext cx="0" cy="0"/>
+          <a:chOff x="0" y="0"/>
+          <a:chExt cx="0" cy="0"/>
+        </a:xfrm>
+      </p:grpSpPr>
+      <p:sp>
+        <p:nvSpPr>
+          <p:cNvPr id="2" name="Titolo 1"/>
+          <p:cNvSpPr>
+            <a:spLocks noGrp="1"/>
+          </p:cNvSpPr>
+          <p:nvPr>
+            <p:ph type="title"/>
+          </p:nvPr>
+        </p:nvSpPr>
+        <p:spPr/>
+        <p:txBody>
+          <a:bodyPr/>
+          <a:lstStyle/>
+          <a:p>
+            <a:r>
+              <a:rPr lang="it-CH" dirty="0" smtClean="0"/>
               <a:t>Requisiti</a:t>
             </a:r>
             <a:endParaRPr lang="en-US" dirty="0"/>
@@ -4447,7 +4638,7 @@
 </p:sld>
 </file>
 
-<file path=ppt/slides/slide5.xml><?xml version="1.0" encoding="utf-8"?>
+<file path=ppt/slides/slide6.xml><?xml version="1.0" encoding="utf-8"?>
 <p:sld xmlns:a="http://schemas.openxmlformats.org/drawingml/2006/main" xmlns:r="http://schemas.openxmlformats.org/officeDocument/2006/relationships" xmlns:p="http://schemas.openxmlformats.org/presentationml/2006/main">
   <p:cSld>
     <p:spTree>
@@ -4531,7 +4722,7 @@
 </p:sld>
 </file>
 
-<file path=ppt/slides/slide6.xml><?xml version="1.0" encoding="utf-8"?>
+<file path=ppt/slides/slide7.xml><?xml version="1.0" encoding="utf-8"?>
 <p:sld xmlns:a="http://schemas.openxmlformats.org/drawingml/2006/main" xmlns:r="http://schemas.openxmlformats.org/officeDocument/2006/relationships" xmlns:p="http://schemas.openxmlformats.org/presentationml/2006/main">
   <p:cSld>
     <p:spTree>
@@ -4591,7 +4782,7 @@
 </p:sld>
 </file>
 
-<file path=ppt/slides/slide7.xml><?xml version="1.0" encoding="utf-8"?>
+<file path=ppt/slides/slide8.xml><?xml version="1.0" encoding="utf-8"?>
 <p:sld xmlns:a="http://schemas.openxmlformats.org/drawingml/2006/main" xmlns:r="http://schemas.openxmlformats.org/officeDocument/2006/relationships" xmlns:p="http://schemas.openxmlformats.org/presentationml/2006/main">
   <p:cSld>
     <p:spTree>
@@ -4651,7 +4842,7 @@
 </p:sld>
 </file>
 
-<file path=ppt/slides/slide8.xml><?xml version="1.0" encoding="utf-8"?>
+<file path=ppt/slides/slide9.xml><?xml version="1.0" encoding="utf-8"?>
 <p:sld xmlns:a="http://schemas.openxmlformats.org/drawingml/2006/main" xmlns:r="http://schemas.openxmlformats.org/officeDocument/2006/relationships" xmlns:p="http://schemas.openxmlformats.org/presentationml/2006/main">
   <p:cSld>
     <p:spTree>
@@ -4719,66 +4910,6 @@
     <p:extLst>
       <p:ext uri="{BB962C8B-B14F-4D97-AF65-F5344CB8AC3E}">
         <p14:creationId xmlns:p14="http://schemas.microsoft.com/office/powerpoint/2010/main" val="1175881509"/>
-      </p:ext>
-    </p:extLst>
-  </p:cSld>
-  <p:clrMapOvr>
-    <a:masterClrMapping/>
-  </p:clrMapOvr>
-  <p:timing>
-    <p:tnLst>
-      <p:par>
-        <p:cTn id="1" dur="indefinite" restart="never" nodeType="tmRoot"/>
-      </p:par>
-    </p:tnLst>
-  </p:timing>
-</p:sld>
-</file>
-
-<file path=ppt/slides/slide9.xml><?xml version="1.0" encoding="utf-8"?>
-<p:sld xmlns:a="http://schemas.openxmlformats.org/drawingml/2006/main" xmlns:r="http://schemas.openxmlformats.org/officeDocument/2006/relationships" xmlns:p="http://schemas.openxmlformats.org/presentationml/2006/main">
-  <p:cSld>
-    <p:spTree>
-      <p:nvGrpSpPr>
-        <p:cNvPr id="1" name=""/>
-        <p:cNvGrpSpPr/>
-        <p:nvPr/>
-      </p:nvGrpSpPr>
-      <p:grpSpPr>
-        <a:xfrm>
-          <a:off x="0" y="0"/>
-          <a:ext cx="0" cy="0"/>
-          <a:chOff x="0" y="0"/>
-          <a:chExt cx="0" cy="0"/>
-        </a:xfrm>
-      </p:grpSpPr>
-      <p:pic>
-        <p:nvPicPr>
-          <p:cNvPr id="4" name="Immagine 3"/>
-          <p:cNvPicPr>
-            <a:picLocks noChangeAspect="1"/>
-          </p:cNvPicPr>
-          <p:nvPr/>
-        </p:nvPicPr>
-        <p:blipFill rotWithShape="1">
-          <a:blip r:embed="rId2"/>
-          <a:srcRect b="13647"/>
-          <a:stretch/>
-        </p:blipFill>
-        <p:spPr>
-          <a:xfrm>
-            <a:off x="132949" y="134354"/>
-            <a:ext cx="11987750" cy="6516703"/>
-          </a:xfrm>
-          <a:prstGeom prst="rect">
-            <a:avLst/>
-          </a:prstGeom>
-        </p:spPr>
-      </p:pic>
-    </p:spTree>
-    <p:extLst>
-      <p:ext uri="{BB962C8B-B14F-4D97-AF65-F5344CB8AC3E}">
-        <p14:creationId xmlns:p14="http://schemas.microsoft.com/office/powerpoint/2010/main" val="3323897485"/>
       </p:ext>
     </p:extLst>
   </p:cSld>
